--- a/CastReporting.Reporting.Core/Templates/zh-Hans/Application/Component library/Generic Graph Definition.pptx
+++ b/CastReporting.Reporting.Core/Templates/zh-Hans/Application/Component library/Generic Graph Definition.pptx
@@ -12109,7 +12109,7 @@
           <a:p>
             <a:fld id="{BE7CF963-E58D-FC4D-BA9E-60A980752DC6}" type="datetimeFigureOut">
               <a:rPr lang="en-US" smtClean="0"/>
-              <a:t>10/26/2021</a:t>
+              <a:t>2/20/2025</a:t>
             </a:fld>
             <a:endParaRPr lang="en-US"/>
           </a:p>
@@ -12598,7 +12598,7 @@
           <a:p>
             <a:fld id="{B590C078-9131-4E49-8A0D-400FEE8377B5}" type="datetimeFigureOut">
               <a:rPr lang="en-US" smtClean="0"/>
-              <a:t>10/26/2021</a:t>
+              <a:t>2/20/2025</a:t>
             </a:fld>
             <a:endParaRPr lang="en-US"/>
           </a:p>
@@ -12722,36 +12722,6 @@
           </a:p>
         </p:txBody>
       </p:sp>
-      <p:pic>
-        <p:nvPicPr>
-          <p:cNvPr id="11" name="Picture 10"/>
-          <p:cNvPicPr>
-            <a:picLocks noChangeAspect="1"/>
-          </p:cNvPicPr>
-          <p:nvPr userDrawn="1"/>
-        </p:nvPicPr>
-        <p:blipFill>
-          <a:blip r:embed="rId2">
-            <a:extLst>
-              <a:ext uri="{28A0092B-C50C-407E-A947-70E740481C1C}">
-                <a14:useLocalDpi xmlns:a14="http://schemas.microsoft.com/office/drawing/2010/main" val="0"/>
-              </a:ext>
-            </a:extLst>
-          </a:blip>
-          <a:stretch>
-            <a:fillRect/>
-          </a:stretch>
-        </p:blipFill>
-        <p:spPr>
-          <a:xfrm>
-            <a:off x="9578792" y="333532"/>
-            <a:ext cx="2003608" cy="247337"/>
-          </a:xfrm>
-          <a:prstGeom prst="rect">
-            <a:avLst/>
-          </a:prstGeom>
-        </p:spPr>
-      </p:pic>
       <p:sp>
         <p:nvSpPr>
           <p:cNvPr id="10" name="TextBox 9"/>
@@ -12932,6 +12902,36 @@
           </a:p>
         </p:txBody>
       </p:sp>
+      <p:pic>
+        <p:nvPicPr>
+          <p:cNvPr id="2" name="Picture 1">
+            <a:extLst>
+              <a:ext uri="{FF2B5EF4-FFF2-40B4-BE49-F238E27FC236}">
+                <a16:creationId xmlns:a16="http://schemas.microsoft.com/office/drawing/2014/main" id="{8340C722-218F-258B-3E60-DD4C584ACA13}"/>
+              </a:ext>
+            </a:extLst>
+          </p:cNvPr>
+          <p:cNvPicPr>
+            <a:picLocks noChangeAspect="1"/>
+          </p:cNvPicPr>
+          <p:nvPr userDrawn="1"/>
+        </p:nvPicPr>
+        <p:blipFill>
+          <a:blip r:embed="rId2"/>
+          <a:stretch>
+            <a:fillRect/>
+          </a:stretch>
+        </p:blipFill>
+        <p:spPr>
+          <a:xfrm>
+            <a:off x="10503035" y="275190"/>
+            <a:ext cx="1079365" cy="380952"/>
+          </a:xfrm>
+          <a:prstGeom prst="rect">
+            <a:avLst/>
+          </a:prstGeom>
+        </p:spPr>
+      </p:pic>
     </p:spTree>
     <p:extLst>
       <p:ext uri="{BB962C8B-B14F-4D97-AF65-F5344CB8AC3E}">
@@ -13069,36 +13069,6 @@
           </a:p>
         </p:txBody>
       </p:sp>
-      <p:pic>
-        <p:nvPicPr>
-          <p:cNvPr id="11" name="Picture 10"/>
-          <p:cNvPicPr>
-            <a:picLocks noChangeAspect="1"/>
-          </p:cNvPicPr>
-          <p:nvPr userDrawn="1"/>
-        </p:nvPicPr>
-        <p:blipFill>
-          <a:blip r:embed="rId2">
-            <a:extLst>
-              <a:ext uri="{28A0092B-C50C-407E-A947-70E740481C1C}">
-                <a14:useLocalDpi xmlns:a14="http://schemas.microsoft.com/office/drawing/2010/main" val="0"/>
-              </a:ext>
-            </a:extLst>
-          </a:blip>
-          <a:stretch>
-            <a:fillRect/>
-          </a:stretch>
-        </p:blipFill>
-        <p:spPr>
-          <a:xfrm>
-            <a:off x="9578792" y="333532"/>
-            <a:ext cx="2003608" cy="247337"/>
-          </a:xfrm>
-          <a:prstGeom prst="rect">
-            <a:avLst/>
-          </a:prstGeom>
-        </p:spPr>
-      </p:pic>
       <p:sp>
         <p:nvSpPr>
           <p:cNvPr id="10" name="TextBox 9"/>
@@ -13277,6 +13247,36 @@
           </a:p>
         </p:txBody>
       </p:sp>
+      <p:pic>
+        <p:nvPicPr>
+          <p:cNvPr id="2" name="Picture 1">
+            <a:extLst>
+              <a:ext uri="{FF2B5EF4-FFF2-40B4-BE49-F238E27FC236}">
+                <a16:creationId xmlns:a16="http://schemas.microsoft.com/office/drawing/2014/main" id="{EC1F52E1-3708-4EE7-1388-E85622AC2FDD}"/>
+              </a:ext>
+            </a:extLst>
+          </p:cNvPr>
+          <p:cNvPicPr>
+            <a:picLocks noChangeAspect="1"/>
+          </p:cNvPicPr>
+          <p:nvPr userDrawn="1"/>
+        </p:nvPicPr>
+        <p:blipFill>
+          <a:blip r:embed="rId2"/>
+          <a:stretch>
+            <a:fillRect/>
+          </a:stretch>
+        </p:blipFill>
+        <p:spPr>
+          <a:xfrm>
+            <a:off x="10503035" y="275190"/>
+            <a:ext cx="1079365" cy="380952"/>
+          </a:xfrm>
+          <a:prstGeom prst="rect">
+            <a:avLst/>
+          </a:prstGeom>
+        </p:spPr>
+      </p:pic>
     </p:spTree>
     <p:extLst>
       <p:ext uri="{BB962C8B-B14F-4D97-AF65-F5344CB8AC3E}">
@@ -13414,36 +13414,6 @@
           </a:p>
         </p:txBody>
       </p:sp>
-      <p:pic>
-        <p:nvPicPr>
-          <p:cNvPr id="11" name="Picture 10"/>
-          <p:cNvPicPr>
-            <a:picLocks noChangeAspect="1"/>
-          </p:cNvPicPr>
-          <p:nvPr userDrawn="1"/>
-        </p:nvPicPr>
-        <p:blipFill>
-          <a:blip r:embed="rId2">
-            <a:extLst>
-              <a:ext uri="{28A0092B-C50C-407E-A947-70E740481C1C}">
-                <a14:useLocalDpi xmlns:a14="http://schemas.microsoft.com/office/drawing/2010/main" val="0"/>
-              </a:ext>
-            </a:extLst>
-          </a:blip>
-          <a:stretch>
-            <a:fillRect/>
-          </a:stretch>
-        </p:blipFill>
-        <p:spPr>
-          <a:xfrm>
-            <a:off x="9578792" y="333532"/>
-            <a:ext cx="2003608" cy="247337"/>
-          </a:xfrm>
-          <a:prstGeom prst="rect">
-            <a:avLst/>
-          </a:prstGeom>
-        </p:spPr>
-      </p:pic>
       <p:sp>
         <p:nvSpPr>
           <p:cNvPr id="10" name="TextBox 9"/>
@@ -13622,6 +13592,36 @@
           </a:p>
         </p:txBody>
       </p:sp>
+      <p:pic>
+        <p:nvPicPr>
+          <p:cNvPr id="2" name="Picture 1">
+            <a:extLst>
+              <a:ext uri="{FF2B5EF4-FFF2-40B4-BE49-F238E27FC236}">
+                <a16:creationId xmlns:a16="http://schemas.microsoft.com/office/drawing/2014/main" id="{862FCAF7-5FA5-572B-FEED-DCF0D9F12DAA}"/>
+              </a:ext>
+            </a:extLst>
+          </p:cNvPr>
+          <p:cNvPicPr>
+            <a:picLocks noChangeAspect="1"/>
+          </p:cNvPicPr>
+          <p:nvPr userDrawn="1"/>
+        </p:nvPicPr>
+        <p:blipFill>
+          <a:blip r:embed="rId2"/>
+          <a:stretch>
+            <a:fillRect/>
+          </a:stretch>
+        </p:blipFill>
+        <p:spPr>
+          <a:xfrm>
+            <a:off x="10503035" y="275190"/>
+            <a:ext cx="1079365" cy="380952"/>
+          </a:xfrm>
+          <a:prstGeom prst="rect">
+            <a:avLst/>
+          </a:prstGeom>
+        </p:spPr>
+      </p:pic>
     </p:spTree>
     <p:extLst>
       <p:ext uri="{BB962C8B-B14F-4D97-AF65-F5344CB8AC3E}">
@@ -13759,36 +13759,6 @@
           </a:p>
         </p:txBody>
       </p:sp>
-      <p:pic>
-        <p:nvPicPr>
-          <p:cNvPr id="11" name="Picture 10"/>
-          <p:cNvPicPr>
-            <a:picLocks noChangeAspect="1"/>
-          </p:cNvPicPr>
-          <p:nvPr userDrawn="1"/>
-        </p:nvPicPr>
-        <p:blipFill>
-          <a:blip r:embed="rId2">
-            <a:extLst>
-              <a:ext uri="{28A0092B-C50C-407E-A947-70E740481C1C}">
-                <a14:useLocalDpi xmlns:a14="http://schemas.microsoft.com/office/drawing/2010/main" val="0"/>
-              </a:ext>
-            </a:extLst>
-          </a:blip>
-          <a:stretch>
-            <a:fillRect/>
-          </a:stretch>
-        </p:blipFill>
-        <p:spPr>
-          <a:xfrm>
-            <a:off x="9578792" y="333532"/>
-            <a:ext cx="2003608" cy="247337"/>
-          </a:xfrm>
-          <a:prstGeom prst="rect">
-            <a:avLst/>
-          </a:prstGeom>
-        </p:spPr>
-      </p:pic>
       <p:sp>
         <p:nvSpPr>
           <p:cNvPr id="10" name="TextBox 9"/>
@@ -13967,6 +13937,36 @@
           </a:p>
         </p:txBody>
       </p:sp>
+      <p:pic>
+        <p:nvPicPr>
+          <p:cNvPr id="2" name="Picture 1">
+            <a:extLst>
+              <a:ext uri="{FF2B5EF4-FFF2-40B4-BE49-F238E27FC236}">
+                <a16:creationId xmlns:a16="http://schemas.microsoft.com/office/drawing/2014/main" id="{7944F8F2-A46B-6511-76EC-85C3AE290ABE}"/>
+              </a:ext>
+            </a:extLst>
+          </p:cNvPr>
+          <p:cNvPicPr>
+            <a:picLocks noChangeAspect="1"/>
+          </p:cNvPicPr>
+          <p:nvPr userDrawn="1"/>
+        </p:nvPicPr>
+        <p:blipFill>
+          <a:blip r:embed="rId2"/>
+          <a:stretch>
+            <a:fillRect/>
+          </a:stretch>
+        </p:blipFill>
+        <p:spPr>
+          <a:xfrm>
+            <a:off x="10503035" y="275190"/>
+            <a:ext cx="1079365" cy="380952"/>
+          </a:xfrm>
+          <a:prstGeom prst="rect">
+            <a:avLst/>
+          </a:prstGeom>
+        </p:spPr>
+      </p:pic>
     </p:spTree>
     <p:extLst>
       <p:ext uri="{BB962C8B-B14F-4D97-AF65-F5344CB8AC3E}">
@@ -14107,36 +14107,6 @@
           </a:p>
         </p:txBody>
       </p:sp>
-      <p:pic>
-        <p:nvPicPr>
-          <p:cNvPr id="11" name="Picture 10"/>
-          <p:cNvPicPr>
-            <a:picLocks noChangeAspect="1"/>
-          </p:cNvPicPr>
-          <p:nvPr userDrawn="1"/>
-        </p:nvPicPr>
-        <p:blipFill>
-          <a:blip r:embed="rId2">
-            <a:extLst>
-              <a:ext uri="{28A0092B-C50C-407E-A947-70E740481C1C}">
-                <a14:useLocalDpi xmlns:a14="http://schemas.microsoft.com/office/drawing/2010/main" val="0"/>
-              </a:ext>
-            </a:extLst>
-          </a:blip>
-          <a:stretch>
-            <a:fillRect/>
-          </a:stretch>
-        </p:blipFill>
-        <p:spPr>
-          <a:xfrm>
-            <a:off x="9578792" y="333532"/>
-            <a:ext cx="2003608" cy="247337"/>
-          </a:xfrm>
-          <a:prstGeom prst="rect">
-            <a:avLst/>
-          </a:prstGeom>
-        </p:spPr>
-      </p:pic>
       <p:sp>
         <p:nvSpPr>
           <p:cNvPr id="10" name="TextBox 9"/>
@@ -14315,6 +14285,36 @@
           </a:p>
         </p:txBody>
       </p:sp>
+      <p:pic>
+        <p:nvPicPr>
+          <p:cNvPr id="2" name="Picture 1">
+            <a:extLst>
+              <a:ext uri="{FF2B5EF4-FFF2-40B4-BE49-F238E27FC236}">
+                <a16:creationId xmlns:a16="http://schemas.microsoft.com/office/drawing/2014/main" id="{9440794B-07B5-EA7B-C587-CDC096A394EB}"/>
+              </a:ext>
+            </a:extLst>
+          </p:cNvPr>
+          <p:cNvPicPr>
+            <a:picLocks noChangeAspect="1"/>
+          </p:cNvPicPr>
+          <p:nvPr userDrawn="1"/>
+        </p:nvPicPr>
+        <p:blipFill>
+          <a:blip r:embed="rId2"/>
+          <a:stretch>
+            <a:fillRect/>
+          </a:stretch>
+        </p:blipFill>
+        <p:spPr>
+          <a:xfrm>
+            <a:off x="10503035" y="275190"/>
+            <a:ext cx="1079365" cy="380952"/>
+          </a:xfrm>
+          <a:prstGeom prst="rect">
+            <a:avLst/>
+          </a:prstGeom>
+        </p:spPr>
+      </p:pic>
     </p:spTree>
     <p:extLst>
       <p:ext uri="{BB962C8B-B14F-4D97-AF65-F5344CB8AC3E}">
@@ -14452,36 +14452,6 @@
           </a:p>
         </p:txBody>
       </p:sp>
-      <p:pic>
-        <p:nvPicPr>
-          <p:cNvPr id="11" name="Picture 10"/>
-          <p:cNvPicPr>
-            <a:picLocks noChangeAspect="1"/>
-          </p:cNvPicPr>
-          <p:nvPr userDrawn="1"/>
-        </p:nvPicPr>
-        <p:blipFill>
-          <a:blip r:embed="rId2">
-            <a:extLst>
-              <a:ext uri="{28A0092B-C50C-407E-A947-70E740481C1C}">
-                <a14:useLocalDpi xmlns:a14="http://schemas.microsoft.com/office/drawing/2010/main" val="0"/>
-              </a:ext>
-            </a:extLst>
-          </a:blip>
-          <a:stretch>
-            <a:fillRect/>
-          </a:stretch>
-        </p:blipFill>
-        <p:spPr>
-          <a:xfrm>
-            <a:off x="9578792" y="333532"/>
-            <a:ext cx="2003608" cy="247337"/>
-          </a:xfrm>
-          <a:prstGeom prst="rect">
-            <a:avLst/>
-          </a:prstGeom>
-        </p:spPr>
-      </p:pic>
       <p:sp>
         <p:nvSpPr>
           <p:cNvPr id="10" name="TextBox 9"/>
@@ -14663,6 +14633,36 @@
           </a:p>
         </p:txBody>
       </p:sp>
+      <p:pic>
+        <p:nvPicPr>
+          <p:cNvPr id="2" name="Picture 1">
+            <a:extLst>
+              <a:ext uri="{FF2B5EF4-FFF2-40B4-BE49-F238E27FC236}">
+                <a16:creationId xmlns:a16="http://schemas.microsoft.com/office/drawing/2014/main" id="{3B4F29AB-0DC6-AEBA-7948-927554B33005}"/>
+              </a:ext>
+            </a:extLst>
+          </p:cNvPr>
+          <p:cNvPicPr>
+            <a:picLocks noChangeAspect="1"/>
+          </p:cNvPicPr>
+          <p:nvPr userDrawn="1"/>
+        </p:nvPicPr>
+        <p:blipFill>
+          <a:blip r:embed="rId2"/>
+          <a:stretch>
+            <a:fillRect/>
+          </a:stretch>
+        </p:blipFill>
+        <p:spPr>
+          <a:xfrm>
+            <a:off x="10503035" y="275190"/>
+            <a:ext cx="1079365" cy="380952"/>
+          </a:xfrm>
+          <a:prstGeom prst="rect">
+            <a:avLst/>
+          </a:prstGeom>
+        </p:spPr>
+      </p:pic>
     </p:spTree>
     <p:extLst>
       <p:ext uri="{BB962C8B-B14F-4D97-AF65-F5344CB8AC3E}">
@@ -14906,36 +14906,6 @@
           </a:p>
         </p:txBody>
       </p:sp>
-      <p:pic>
-        <p:nvPicPr>
-          <p:cNvPr id="11" name="Picture 10"/>
-          <p:cNvPicPr>
-            <a:picLocks noChangeAspect="1"/>
-          </p:cNvPicPr>
-          <p:nvPr userDrawn="1"/>
-        </p:nvPicPr>
-        <p:blipFill>
-          <a:blip r:embed="rId2">
-            <a:extLst>
-              <a:ext uri="{28A0092B-C50C-407E-A947-70E740481C1C}">
-                <a14:useLocalDpi xmlns:a14="http://schemas.microsoft.com/office/drawing/2010/main" val="0"/>
-              </a:ext>
-            </a:extLst>
-          </a:blip>
-          <a:stretch>
-            <a:fillRect/>
-          </a:stretch>
-        </p:blipFill>
-        <p:spPr>
-          <a:xfrm>
-            <a:off x="9578792" y="333532"/>
-            <a:ext cx="2003608" cy="247337"/>
-          </a:xfrm>
-          <a:prstGeom prst="rect">
-            <a:avLst/>
-          </a:prstGeom>
-        </p:spPr>
-      </p:pic>
       <p:sp>
         <p:nvSpPr>
           <p:cNvPr id="9" name="Text Placeholder 7"/>
@@ -15009,6 +14979,36 @@
           </a:p>
         </p:txBody>
       </p:sp>
+      <p:pic>
+        <p:nvPicPr>
+          <p:cNvPr id="3" name="Picture 2">
+            <a:extLst>
+              <a:ext uri="{FF2B5EF4-FFF2-40B4-BE49-F238E27FC236}">
+                <a16:creationId xmlns:a16="http://schemas.microsoft.com/office/drawing/2014/main" id="{5B27AB4D-252C-CD49-A798-EC28A1A1C3C9}"/>
+              </a:ext>
+            </a:extLst>
+          </p:cNvPr>
+          <p:cNvPicPr>
+            <a:picLocks noChangeAspect="1"/>
+          </p:cNvPicPr>
+          <p:nvPr userDrawn="1"/>
+        </p:nvPicPr>
+        <p:blipFill>
+          <a:blip r:embed="rId2"/>
+          <a:stretch>
+            <a:fillRect/>
+          </a:stretch>
+        </p:blipFill>
+        <p:spPr>
+          <a:xfrm>
+            <a:off x="10503035" y="275190"/>
+            <a:ext cx="1079365" cy="380952"/>
+          </a:xfrm>
+          <a:prstGeom prst="rect">
+            <a:avLst/>
+          </a:prstGeom>
+        </p:spPr>
+      </p:pic>
     </p:spTree>
     <p:extLst>
       <p:ext uri="{BB962C8B-B14F-4D97-AF65-F5344CB8AC3E}">
@@ -15146,36 +15146,6 @@
           </a:p>
         </p:txBody>
       </p:sp>
-      <p:pic>
-        <p:nvPicPr>
-          <p:cNvPr id="11" name="Picture 10"/>
-          <p:cNvPicPr>
-            <a:picLocks noChangeAspect="1"/>
-          </p:cNvPicPr>
-          <p:nvPr userDrawn="1"/>
-        </p:nvPicPr>
-        <p:blipFill>
-          <a:blip r:embed="rId2">
-            <a:extLst>
-              <a:ext uri="{28A0092B-C50C-407E-A947-70E740481C1C}">
-                <a14:useLocalDpi xmlns:a14="http://schemas.microsoft.com/office/drawing/2010/main" val="0"/>
-              </a:ext>
-            </a:extLst>
-          </a:blip>
-          <a:stretch>
-            <a:fillRect/>
-          </a:stretch>
-        </p:blipFill>
-        <p:spPr>
-          <a:xfrm>
-            <a:off x="9578792" y="333532"/>
-            <a:ext cx="2003608" cy="247337"/>
-          </a:xfrm>
-          <a:prstGeom prst="rect">
-            <a:avLst/>
-          </a:prstGeom>
-        </p:spPr>
-      </p:pic>
       <p:sp>
         <p:nvSpPr>
           <p:cNvPr id="10" name="TextBox 9"/>
@@ -15356,6 +15326,36 @@
           </a:p>
         </p:txBody>
       </p:sp>
+      <p:pic>
+        <p:nvPicPr>
+          <p:cNvPr id="2" name="Picture 1">
+            <a:extLst>
+              <a:ext uri="{FF2B5EF4-FFF2-40B4-BE49-F238E27FC236}">
+                <a16:creationId xmlns:a16="http://schemas.microsoft.com/office/drawing/2014/main" id="{A82BF2FB-AAA9-0B18-FB67-5E2F35BCA3D3}"/>
+              </a:ext>
+            </a:extLst>
+          </p:cNvPr>
+          <p:cNvPicPr>
+            <a:picLocks noChangeAspect="1"/>
+          </p:cNvPicPr>
+          <p:nvPr userDrawn="1"/>
+        </p:nvPicPr>
+        <p:blipFill>
+          <a:blip r:embed="rId2"/>
+          <a:stretch>
+            <a:fillRect/>
+          </a:stretch>
+        </p:blipFill>
+        <p:spPr>
+          <a:xfrm>
+            <a:off x="10503035" y="275190"/>
+            <a:ext cx="1079365" cy="380952"/>
+          </a:xfrm>
+          <a:prstGeom prst="rect">
+            <a:avLst/>
+          </a:prstGeom>
+        </p:spPr>
+      </p:pic>
     </p:spTree>
     <p:extLst>
       <p:ext uri="{BB962C8B-B14F-4D97-AF65-F5344CB8AC3E}">
@@ -15493,36 +15493,6 @@
           </a:p>
         </p:txBody>
       </p:sp>
-      <p:pic>
-        <p:nvPicPr>
-          <p:cNvPr id="11" name="Picture 10"/>
-          <p:cNvPicPr>
-            <a:picLocks noChangeAspect="1"/>
-          </p:cNvPicPr>
-          <p:nvPr userDrawn="1"/>
-        </p:nvPicPr>
-        <p:blipFill>
-          <a:blip r:embed="rId2">
-            <a:extLst>
-              <a:ext uri="{28A0092B-C50C-407E-A947-70E740481C1C}">
-                <a14:useLocalDpi xmlns:a14="http://schemas.microsoft.com/office/drawing/2010/main" val="0"/>
-              </a:ext>
-            </a:extLst>
-          </a:blip>
-          <a:stretch>
-            <a:fillRect/>
-          </a:stretch>
-        </p:blipFill>
-        <p:spPr>
-          <a:xfrm>
-            <a:off x="9578792" y="333532"/>
-            <a:ext cx="2003608" cy="247337"/>
-          </a:xfrm>
-          <a:prstGeom prst="rect">
-            <a:avLst/>
-          </a:prstGeom>
-        </p:spPr>
-      </p:pic>
       <p:sp>
         <p:nvSpPr>
           <p:cNvPr id="10" name="TextBox 9"/>
@@ -15702,6 +15672,36 @@
           </a:p>
         </p:txBody>
       </p:sp>
+      <p:pic>
+        <p:nvPicPr>
+          <p:cNvPr id="2" name="Picture 1">
+            <a:extLst>
+              <a:ext uri="{FF2B5EF4-FFF2-40B4-BE49-F238E27FC236}">
+                <a16:creationId xmlns:a16="http://schemas.microsoft.com/office/drawing/2014/main" id="{393C8252-81E3-AB1B-DE9C-C3071E451EE3}"/>
+              </a:ext>
+            </a:extLst>
+          </p:cNvPr>
+          <p:cNvPicPr>
+            <a:picLocks noChangeAspect="1"/>
+          </p:cNvPicPr>
+          <p:nvPr userDrawn="1"/>
+        </p:nvPicPr>
+        <p:blipFill>
+          <a:blip r:embed="rId2"/>
+          <a:stretch>
+            <a:fillRect/>
+          </a:stretch>
+        </p:blipFill>
+        <p:spPr>
+          <a:xfrm>
+            <a:off x="10503035" y="275190"/>
+            <a:ext cx="1079365" cy="380952"/>
+          </a:xfrm>
+          <a:prstGeom prst="rect">
+            <a:avLst/>
+          </a:prstGeom>
+        </p:spPr>
+      </p:pic>
     </p:spTree>
     <p:extLst>
       <p:ext uri="{BB962C8B-B14F-4D97-AF65-F5344CB8AC3E}">
@@ -15839,36 +15839,6 @@
           </a:p>
         </p:txBody>
       </p:sp>
-      <p:pic>
-        <p:nvPicPr>
-          <p:cNvPr id="11" name="Picture 10"/>
-          <p:cNvPicPr>
-            <a:picLocks noChangeAspect="1"/>
-          </p:cNvPicPr>
-          <p:nvPr userDrawn="1"/>
-        </p:nvPicPr>
-        <p:blipFill>
-          <a:blip r:embed="rId2">
-            <a:extLst>
-              <a:ext uri="{28A0092B-C50C-407E-A947-70E740481C1C}">
-                <a14:useLocalDpi xmlns:a14="http://schemas.microsoft.com/office/drawing/2010/main" val="0"/>
-              </a:ext>
-            </a:extLst>
-          </a:blip>
-          <a:stretch>
-            <a:fillRect/>
-          </a:stretch>
-        </p:blipFill>
-        <p:spPr>
-          <a:xfrm>
-            <a:off x="9578792" y="333532"/>
-            <a:ext cx="2003608" cy="247337"/>
-          </a:xfrm>
-          <a:prstGeom prst="rect">
-            <a:avLst/>
-          </a:prstGeom>
-        </p:spPr>
-      </p:pic>
       <p:sp>
         <p:nvSpPr>
           <p:cNvPr id="10" name="TextBox 9"/>
@@ -16048,6 +16018,36 @@
           </a:p>
         </p:txBody>
       </p:sp>
+      <p:pic>
+        <p:nvPicPr>
+          <p:cNvPr id="2" name="Picture 1">
+            <a:extLst>
+              <a:ext uri="{FF2B5EF4-FFF2-40B4-BE49-F238E27FC236}">
+                <a16:creationId xmlns:a16="http://schemas.microsoft.com/office/drawing/2014/main" id="{CD4E380A-657E-3F73-7B39-CE8ECE454C42}"/>
+              </a:ext>
+            </a:extLst>
+          </p:cNvPr>
+          <p:cNvPicPr>
+            <a:picLocks noChangeAspect="1"/>
+          </p:cNvPicPr>
+          <p:nvPr userDrawn="1"/>
+        </p:nvPicPr>
+        <p:blipFill>
+          <a:blip r:embed="rId2"/>
+          <a:stretch>
+            <a:fillRect/>
+          </a:stretch>
+        </p:blipFill>
+        <p:spPr>
+          <a:xfrm>
+            <a:off x="10503035" y="275190"/>
+            <a:ext cx="1079365" cy="380952"/>
+          </a:xfrm>
+          <a:prstGeom prst="rect">
+            <a:avLst/>
+          </a:prstGeom>
+        </p:spPr>
+      </p:pic>
     </p:spTree>
     <p:extLst>
       <p:ext uri="{BB962C8B-B14F-4D97-AF65-F5344CB8AC3E}">
@@ -16183,7 +16183,7 @@
           <a:p>
             <a:fld id="{B590C078-9131-4E49-8A0D-400FEE8377B5}" type="datetimeFigureOut">
               <a:rPr lang="en-US" smtClean="0"/>
-              <a:t>10/26/2021</a:t>
+              <a:t>2/20/2025</a:t>
             </a:fld>
             <a:endParaRPr lang="en-US"/>
           </a:p>
@@ -16359,36 +16359,6 @@
           </a:p>
         </p:txBody>
       </p:sp>
-      <p:pic>
-        <p:nvPicPr>
-          <p:cNvPr id="11" name="Picture 10"/>
-          <p:cNvPicPr>
-            <a:picLocks noChangeAspect="1"/>
-          </p:cNvPicPr>
-          <p:nvPr userDrawn="1"/>
-        </p:nvPicPr>
-        <p:blipFill>
-          <a:blip r:embed="rId2">
-            <a:extLst>
-              <a:ext uri="{28A0092B-C50C-407E-A947-70E740481C1C}">
-                <a14:useLocalDpi xmlns:a14="http://schemas.microsoft.com/office/drawing/2010/main" val="0"/>
-              </a:ext>
-            </a:extLst>
-          </a:blip>
-          <a:stretch>
-            <a:fillRect/>
-          </a:stretch>
-        </p:blipFill>
-        <p:spPr>
-          <a:xfrm>
-            <a:off x="9578792" y="333532"/>
-            <a:ext cx="2003608" cy="247337"/>
-          </a:xfrm>
-          <a:prstGeom prst="rect">
-            <a:avLst/>
-          </a:prstGeom>
-        </p:spPr>
-      </p:pic>
       <p:sp>
         <p:nvSpPr>
           <p:cNvPr id="10" name="TextBox 9"/>
@@ -16568,6 +16538,36 @@
           </a:p>
         </p:txBody>
       </p:sp>
+      <p:pic>
+        <p:nvPicPr>
+          <p:cNvPr id="2" name="Picture 1">
+            <a:extLst>
+              <a:ext uri="{FF2B5EF4-FFF2-40B4-BE49-F238E27FC236}">
+                <a16:creationId xmlns:a16="http://schemas.microsoft.com/office/drawing/2014/main" id="{FB7A2C03-9D13-EC91-80A8-A38BFE1ACCF3}"/>
+              </a:ext>
+            </a:extLst>
+          </p:cNvPr>
+          <p:cNvPicPr>
+            <a:picLocks noChangeAspect="1"/>
+          </p:cNvPicPr>
+          <p:nvPr userDrawn="1"/>
+        </p:nvPicPr>
+        <p:blipFill>
+          <a:blip r:embed="rId2"/>
+          <a:stretch>
+            <a:fillRect/>
+          </a:stretch>
+        </p:blipFill>
+        <p:spPr>
+          <a:xfrm>
+            <a:off x="10503035" y="275190"/>
+            <a:ext cx="1079365" cy="380952"/>
+          </a:xfrm>
+          <a:prstGeom prst="rect">
+            <a:avLst/>
+          </a:prstGeom>
+        </p:spPr>
+      </p:pic>
     </p:spTree>
     <p:extLst>
       <p:ext uri="{BB962C8B-B14F-4D97-AF65-F5344CB8AC3E}">
@@ -16708,36 +16708,6 @@
           </a:p>
         </p:txBody>
       </p:sp>
-      <p:pic>
-        <p:nvPicPr>
-          <p:cNvPr id="11" name="Picture 10"/>
-          <p:cNvPicPr>
-            <a:picLocks noChangeAspect="1"/>
-          </p:cNvPicPr>
-          <p:nvPr userDrawn="1"/>
-        </p:nvPicPr>
-        <p:blipFill>
-          <a:blip r:embed="rId2">
-            <a:extLst>
-              <a:ext uri="{28A0092B-C50C-407E-A947-70E740481C1C}">
-                <a14:useLocalDpi xmlns:a14="http://schemas.microsoft.com/office/drawing/2010/main" val="0"/>
-              </a:ext>
-            </a:extLst>
-          </a:blip>
-          <a:stretch>
-            <a:fillRect/>
-          </a:stretch>
-        </p:blipFill>
-        <p:spPr>
-          <a:xfrm>
-            <a:off x="9578792" y="333532"/>
-            <a:ext cx="2003608" cy="247337"/>
-          </a:xfrm>
-          <a:prstGeom prst="rect">
-            <a:avLst/>
-          </a:prstGeom>
-        </p:spPr>
-      </p:pic>
       <p:sp>
         <p:nvSpPr>
           <p:cNvPr id="10" name="TextBox 9"/>
@@ -16917,6 +16887,36 @@
           </a:p>
         </p:txBody>
       </p:sp>
+      <p:pic>
+        <p:nvPicPr>
+          <p:cNvPr id="2" name="Picture 1">
+            <a:extLst>
+              <a:ext uri="{FF2B5EF4-FFF2-40B4-BE49-F238E27FC236}">
+                <a16:creationId xmlns:a16="http://schemas.microsoft.com/office/drawing/2014/main" id="{3854FF95-669E-0C77-CAAC-D367A40B8369}"/>
+              </a:ext>
+            </a:extLst>
+          </p:cNvPr>
+          <p:cNvPicPr>
+            <a:picLocks noChangeAspect="1"/>
+          </p:cNvPicPr>
+          <p:nvPr userDrawn="1"/>
+        </p:nvPicPr>
+        <p:blipFill>
+          <a:blip r:embed="rId2"/>
+          <a:stretch>
+            <a:fillRect/>
+          </a:stretch>
+        </p:blipFill>
+        <p:spPr>
+          <a:xfrm>
+            <a:off x="10503035" y="275190"/>
+            <a:ext cx="1079365" cy="380952"/>
+          </a:xfrm>
+          <a:prstGeom prst="rect">
+            <a:avLst/>
+          </a:prstGeom>
+        </p:spPr>
+      </p:pic>
     </p:spTree>
     <p:extLst>
       <p:ext uri="{BB962C8B-B14F-4D97-AF65-F5344CB8AC3E}">
@@ -17054,36 +17054,6 @@
           </a:p>
         </p:txBody>
       </p:sp>
-      <p:pic>
-        <p:nvPicPr>
-          <p:cNvPr id="11" name="Picture 10"/>
-          <p:cNvPicPr>
-            <a:picLocks noChangeAspect="1"/>
-          </p:cNvPicPr>
-          <p:nvPr userDrawn="1"/>
-        </p:nvPicPr>
-        <p:blipFill>
-          <a:blip r:embed="rId2">
-            <a:extLst>
-              <a:ext uri="{28A0092B-C50C-407E-A947-70E740481C1C}">
-                <a14:useLocalDpi xmlns:a14="http://schemas.microsoft.com/office/drawing/2010/main" val="0"/>
-              </a:ext>
-            </a:extLst>
-          </a:blip>
-          <a:stretch>
-            <a:fillRect/>
-          </a:stretch>
-        </p:blipFill>
-        <p:spPr>
-          <a:xfrm>
-            <a:off x="9578792" y="333532"/>
-            <a:ext cx="2003608" cy="247337"/>
-          </a:xfrm>
-          <a:prstGeom prst="rect">
-            <a:avLst/>
-          </a:prstGeom>
-        </p:spPr>
-      </p:pic>
       <p:sp>
         <p:nvSpPr>
           <p:cNvPr id="10" name="TextBox 9"/>
@@ -17263,6 +17233,36 @@
           </a:p>
         </p:txBody>
       </p:sp>
+      <p:pic>
+        <p:nvPicPr>
+          <p:cNvPr id="2" name="Picture 1">
+            <a:extLst>
+              <a:ext uri="{FF2B5EF4-FFF2-40B4-BE49-F238E27FC236}">
+                <a16:creationId xmlns:a16="http://schemas.microsoft.com/office/drawing/2014/main" id="{F28D1FF2-6F85-0EEE-3826-84ECBB8EE81D}"/>
+              </a:ext>
+            </a:extLst>
+          </p:cNvPr>
+          <p:cNvPicPr>
+            <a:picLocks noChangeAspect="1"/>
+          </p:cNvPicPr>
+          <p:nvPr userDrawn="1"/>
+        </p:nvPicPr>
+        <p:blipFill>
+          <a:blip r:embed="rId2"/>
+          <a:stretch>
+            <a:fillRect/>
+          </a:stretch>
+        </p:blipFill>
+        <p:spPr>
+          <a:xfrm>
+            <a:off x="10503035" y="275190"/>
+            <a:ext cx="1079365" cy="380952"/>
+          </a:xfrm>
+          <a:prstGeom prst="rect">
+            <a:avLst/>
+          </a:prstGeom>
+        </p:spPr>
+      </p:pic>
     </p:spTree>
     <p:extLst>
       <p:ext uri="{BB962C8B-B14F-4D97-AF65-F5344CB8AC3E}">
@@ -17400,36 +17400,6 @@
           </a:p>
         </p:txBody>
       </p:sp>
-      <p:pic>
-        <p:nvPicPr>
-          <p:cNvPr id="37" name="Picture 36"/>
-          <p:cNvPicPr>
-            <a:picLocks noChangeAspect="1"/>
-          </p:cNvPicPr>
-          <p:nvPr userDrawn="1"/>
-        </p:nvPicPr>
-        <p:blipFill>
-          <a:blip r:embed="rId2">
-            <a:extLst>
-              <a:ext uri="{28A0092B-C50C-407E-A947-70E740481C1C}">
-                <a14:useLocalDpi xmlns:a14="http://schemas.microsoft.com/office/drawing/2010/main" val="0"/>
-              </a:ext>
-            </a:extLst>
-          </a:blip>
-          <a:stretch>
-            <a:fillRect/>
-          </a:stretch>
-        </p:blipFill>
-        <p:spPr>
-          <a:xfrm>
-            <a:off x="9578792" y="333532"/>
-            <a:ext cx="2003608" cy="247337"/>
-          </a:xfrm>
-          <a:prstGeom prst="rect">
-            <a:avLst/>
-          </a:prstGeom>
-        </p:spPr>
-      </p:pic>
       <p:sp>
         <p:nvSpPr>
           <p:cNvPr id="11" name="TextBox 10"/>
@@ -17655,6 +17625,36 @@
           </a:p>
         </p:txBody>
       </p:sp>
+      <p:pic>
+        <p:nvPicPr>
+          <p:cNvPr id="2" name="Picture 1">
+            <a:extLst>
+              <a:ext uri="{FF2B5EF4-FFF2-40B4-BE49-F238E27FC236}">
+                <a16:creationId xmlns:a16="http://schemas.microsoft.com/office/drawing/2014/main" id="{237D9407-0228-8E95-5B61-272F821D28E5}"/>
+              </a:ext>
+            </a:extLst>
+          </p:cNvPr>
+          <p:cNvPicPr>
+            <a:picLocks noChangeAspect="1"/>
+          </p:cNvPicPr>
+          <p:nvPr userDrawn="1"/>
+        </p:nvPicPr>
+        <p:blipFill>
+          <a:blip r:embed="rId2"/>
+          <a:stretch>
+            <a:fillRect/>
+          </a:stretch>
+        </p:blipFill>
+        <p:spPr>
+          <a:xfrm>
+            <a:off x="10503035" y="275190"/>
+            <a:ext cx="1079365" cy="380952"/>
+          </a:xfrm>
+          <a:prstGeom prst="rect">
+            <a:avLst/>
+          </a:prstGeom>
+        </p:spPr>
+      </p:pic>
     </p:spTree>
     <p:extLst>
       <p:ext uri="{BB962C8B-B14F-4D97-AF65-F5344CB8AC3E}">
@@ -17792,36 +17792,6 @@
           </a:p>
         </p:txBody>
       </p:sp>
-      <p:pic>
-        <p:nvPicPr>
-          <p:cNvPr id="37" name="Picture 36"/>
-          <p:cNvPicPr>
-            <a:picLocks noChangeAspect="1"/>
-          </p:cNvPicPr>
-          <p:nvPr userDrawn="1"/>
-        </p:nvPicPr>
-        <p:blipFill>
-          <a:blip r:embed="rId2">
-            <a:extLst>
-              <a:ext uri="{28A0092B-C50C-407E-A947-70E740481C1C}">
-                <a14:useLocalDpi xmlns:a14="http://schemas.microsoft.com/office/drawing/2010/main" val="0"/>
-              </a:ext>
-            </a:extLst>
-          </a:blip>
-          <a:stretch>
-            <a:fillRect/>
-          </a:stretch>
-        </p:blipFill>
-        <p:spPr>
-          <a:xfrm>
-            <a:off x="9578792" y="333532"/>
-            <a:ext cx="2003608" cy="247337"/>
-          </a:xfrm>
-          <a:prstGeom prst="rect">
-            <a:avLst/>
-          </a:prstGeom>
-        </p:spPr>
-      </p:pic>
       <p:sp>
         <p:nvSpPr>
           <p:cNvPr id="11" name="TextBox 10"/>
@@ -18047,6 +18017,36 @@
           </a:p>
         </p:txBody>
       </p:sp>
+      <p:pic>
+        <p:nvPicPr>
+          <p:cNvPr id="2" name="Picture 1">
+            <a:extLst>
+              <a:ext uri="{FF2B5EF4-FFF2-40B4-BE49-F238E27FC236}">
+                <a16:creationId xmlns:a16="http://schemas.microsoft.com/office/drawing/2014/main" id="{B26C3CA0-7444-35CF-9DDA-C27DA57C325C}"/>
+              </a:ext>
+            </a:extLst>
+          </p:cNvPr>
+          <p:cNvPicPr>
+            <a:picLocks noChangeAspect="1"/>
+          </p:cNvPicPr>
+          <p:nvPr userDrawn="1"/>
+        </p:nvPicPr>
+        <p:blipFill>
+          <a:blip r:embed="rId2"/>
+          <a:stretch>
+            <a:fillRect/>
+          </a:stretch>
+        </p:blipFill>
+        <p:spPr>
+          <a:xfrm>
+            <a:off x="10503035" y="275190"/>
+            <a:ext cx="1079365" cy="380952"/>
+          </a:xfrm>
+          <a:prstGeom prst="rect">
+            <a:avLst/>
+          </a:prstGeom>
+        </p:spPr>
+      </p:pic>
     </p:spTree>
     <p:extLst>
       <p:ext uri="{BB962C8B-B14F-4D97-AF65-F5344CB8AC3E}">
@@ -18184,36 +18184,6 @@
           </a:p>
         </p:txBody>
       </p:sp>
-      <p:pic>
-        <p:nvPicPr>
-          <p:cNvPr id="25" name="Picture 24"/>
-          <p:cNvPicPr>
-            <a:picLocks noChangeAspect="1"/>
-          </p:cNvPicPr>
-          <p:nvPr userDrawn="1"/>
-        </p:nvPicPr>
-        <p:blipFill>
-          <a:blip r:embed="rId2">
-            <a:extLst>
-              <a:ext uri="{28A0092B-C50C-407E-A947-70E740481C1C}">
-                <a14:useLocalDpi xmlns:a14="http://schemas.microsoft.com/office/drawing/2010/main" val="0"/>
-              </a:ext>
-            </a:extLst>
-          </a:blip>
-          <a:stretch>
-            <a:fillRect/>
-          </a:stretch>
-        </p:blipFill>
-        <p:spPr>
-          <a:xfrm>
-            <a:off x="9578792" y="333532"/>
-            <a:ext cx="2003608" cy="247337"/>
-          </a:xfrm>
-          <a:prstGeom prst="rect">
-            <a:avLst/>
-          </a:prstGeom>
-        </p:spPr>
-      </p:pic>
       <p:sp>
         <p:nvSpPr>
           <p:cNvPr id="11" name="TextBox 10"/>
@@ -18439,6 +18409,36 @@
           </a:p>
         </p:txBody>
       </p:sp>
+      <p:pic>
+        <p:nvPicPr>
+          <p:cNvPr id="2" name="Picture 1">
+            <a:extLst>
+              <a:ext uri="{FF2B5EF4-FFF2-40B4-BE49-F238E27FC236}">
+                <a16:creationId xmlns:a16="http://schemas.microsoft.com/office/drawing/2014/main" id="{0B849B47-5837-F87E-E289-861A30ABD65E}"/>
+              </a:ext>
+            </a:extLst>
+          </p:cNvPr>
+          <p:cNvPicPr>
+            <a:picLocks noChangeAspect="1"/>
+          </p:cNvPicPr>
+          <p:nvPr userDrawn="1"/>
+        </p:nvPicPr>
+        <p:blipFill>
+          <a:blip r:embed="rId2"/>
+          <a:stretch>
+            <a:fillRect/>
+          </a:stretch>
+        </p:blipFill>
+        <p:spPr>
+          <a:xfrm>
+            <a:off x="10503035" y="275190"/>
+            <a:ext cx="1079365" cy="380952"/>
+          </a:xfrm>
+          <a:prstGeom prst="rect">
+            <a:avLst/>
+          </a:prstGeom>
+        </p:spPr>
+      </p:pic>
     </p:spTree>
     <p:extLst>
       <p:ext uri="{BB962C8B-B14F-4D97-AF65-F5344CB8AC3E}">
@@ -18576,36 +18576,6 @@
           </a:p>
         </p:txBody>
       </p:sp>
-      <p:pic>
-        <p:nvPicPr>
-          <p:cNvPr id="25" name="Picture 24"/>
-          <p:cNvPicPr>
-            <a:picLocks noChangeAspect="1"/>
-          </p:cNvPicPr>
-          <p:nvPr userDrawn="1"/>
-        </p:nvPicPr>
-        <p:blipFill>
-          <a:blip r:embed="rId2">
-            <a:extLst>
-              <a:ext uri="{28A0092B-C50C-407E-A947-70E740481C1C}">
-                <a14:useLocalDpi xmlns:a14="http://schemas.microsoft.com/office/drawing/2010/main" val="0"/>
-              </a:ext>
-            </a:extLst>
-          </a:blip>
-          <a:stretch>
-            <a:fillRect/>
-          </a:stretch>
-        </p:blipFill>
-        <p:spPr>
-          <a:xfrm>
-            <a:off x="9578792" y="333532"/>
-            <a:ext cx="2003608" cy="247337"/>
-          </a:xfrm>
-          <a:prstGeom prst="rect">
-            <a:avLst/>
-          </a:prstGeom>
-        </p:spPr>
-      </p:pic>
       <p:sp>
         <p:nvSpPr>
           <p:cNvPr id="11" name="TextBox 10"/>
@@ -18831,6 +18801,36 @@
           </a:p>
         </p:txBody>
       </p:sp>
+      <p:pic>
+        <p:nvPicPr>
+          <p:cNvPr id="2" name="Picture 1">
+            <a:extLst>
+              <a:ext uri="{FF2B5EF4-FFF2-40B4-BE49-F238E27FC236}">
+                <a16:creationId xmlns:a16="http://schemas.microsoft.com/office/drawing/2014/main" id="{23177D67-C4C2-6ADE-2205-9FA5312D4461}"/>
+              </a:ext>
+            </a:extLst>
+          </p:cNvPr>
+          <p:cNvPicPr>
+            <a:picLocks noChangeAspect="1"/>
+          </p:cNvPicPr>
+          <p:nvPr userDrawn="1"/>
+        </p:nvPicPr>
+        <p:blipFill>
+          <a:blip r:embed="rId2"/>
+          <a:stretch>
+            <a:fillRect/>
+          </a:stretch>
+        </p:blipFill>
+        <p:spPr>
+          <a:xfrm>
+            <a:off x="10503035" y="275190"/>
+            <a:ext cx="1079365" cy="380952"/>
+          </a:xfrm>
+          <a:prstGeom prst="rect">
+            <a:avLst/>
+          </a:prstGeom>
+        </p:spPr>
+      </p:pic>
     </p:spTree>
     <p:extLst>
       <p:ext uri="{BB962C8B-B14F-4D97-AF65-F5344CB8AC3E}">
@@ -18968,36 +18968,6 @@
           </a:p>
         </p:txBody>
       </p:sp>
-      <p:pic>
-        <p:nvPicPr>
-          <p:cNvPr id="28" name="Picture 27"/>
-          <p:cNvPicPr>
-            <a:picLocks noChangeAspect="1"/>
-          </p:cNvPicPr>
-          <p:nvPr userDrawn="1"/>
-        </p:nvPicPr>
-        <p:blipFill>
-          <a:blip r:embed="rId2">
-            <a:extLst>
-              <a:ext uri="{28A0092B-C50C-407E-A947-70E740481C1C}">
-                <a14:useLocalDpi xmlns:a14="http://schemas.microsoft.com/office/drawing/2010/main" val="0"/>
-              </a:ext>
-            </a:extLst>
-          </a:blip>
-          <a:stretch>
-            <a:fillRect/>
-          </a:stretch>
-        </p:blipFill>
-        <p:spPr>
-          <a:xfrm>
-            <a:off x="9578792" y="333532"/>
-            <a:ext cx="2003608" cy="247337"/>
-          </a:xfrm>
-          <a:prstGeom prst="rect">
-            <a:avLst/>
-          </a:prstGeom>
-        </p:spPr>
-      </p:pic>
       <p:sp>
         <p:nvSpPr>
           <p:cNvPr id="11" name="TextBox 10"/>
@@ -19223,6 +19193,36 @@
           </a:p>
         </p:txBody>
       </p:sp>
+      <p:pic>
+        <p:nvPicPr>
+          <p:cNvPr id="2" name="Picture 1">
+            <a:extLst>
+              <a:ext uri="{FF2B5EF4-FFF2-40B4-BE49-F238E27FC236}">
+                <a16:creationId xmlns:a16="http://schemas.microsoft.com/office/drawing/2014/main" id="{D047C685-DA59-4905-AD31-D1C699CCB615}"/>
+              </a:ext>
+            </a:extLst>
+          </p:cNvPr>
+          <p:cNvPicPr>
+            <a:picLocks noChangeAspect="1"/>
+          </p:cNvPicPr>
+          <p:nvPr userDrawn="1"/>
+        </p:nvPicPr>
+        <p:blipFill>
+          <a:blip r:embed="rId2"/>
+          <a:stretch>
+            <a:fillRect/>
+          </a:stretch>
+        </p:blipFill>
+        <p:spPr>
+          <a:xfrm>
+            <a:off x="10503035" y="275190"/>
+            <a:ext cx="1079365" cy="380952"/>
+          </a:xfrm>
+          <a:prstGeom prst="rect">
+            <a:avLst/>
+          </a:prstGeom>
+        </p:spPr>
+      </p:pic>
     </p:spTree>
     <p:extLst>
       <p:ext uri="{BB962C8B-B14F-4D97-AF65-F5344CB8AC3E}">
@@ -19360,36 +19360,6 @@
           </a:p>
         </p:txBody>
       </p:sp>
-      <p:pic>
-        <p:nvPicPr>
-          <p:cNvPr id="25" name="Picture 24"/>
-          <p:cNvPicPr>
-            <a:picLocks noChangeAspect="1"/>
-          </p:cNvPicPr>
-          <p:nvPr userDrawn="1"/>
-        </p:nvPicPr>
-        <p:blipFill>
-          <a:blip r:embed="rId2">
-            <a:extLst>
-              <a:ext uri="{28A0092B-C50C-407E-A947-70E740481C1C}">
-                <a14:useLocalDpi xmlns:a14="http://schemas.microsoft.com/office/drawing/2010/main" val="0"/>
-              </a:ext>
-            </a:extLst>
-          </a:blip>
-          <a:stretch>
-            <a:fillRect/>
-          </a:stretch>
-        </p:blipFill>
-        <p:spPr>
-          <a:xfrm>
-            <a:off x="9578792" y="333532"/>
-            <a:ext cx="2003608" cy="247337"/>
-          </a:xfrm>
-          <a:prstGeom prst="rect">
-            <a:avLst/>
-          </a:prstGeom>
-        </p:spPr>
-      </p:pic>
       <p:sp>
         <p:nvSpPr>
           <p:cNvPr id="11" name="TextBox 10"/>
@@ -19609,6 +19579,36 @@
           </a:p>
         </p:txBody>
       </p:sp>
+      <p:pic>
+        <p:nvPicPr>
+          <p:cNvPr id="2" name="Picture 1">
+            <a:extLst>
+              <a:ext uri="{FF2B5EF4-FFF2-40B4-BE49-F238E27FC236}">
+                <a16:creationId xmlns:a16="http://schemas.microsoft.com/office/drawing/2014/main" id="{4FF10E31-6EE4-D932-11A1-1C5CDECDBAEE}"/>
+              </a:ext>
+            </a:extLst>
+          </p:cNvPr>
+          <p:cNvPicPr>
+            <a:picLocks noChangeAspect="1"/>
+          </p:cNvPicPr>
+          <p:nvPr userDrawn="1"/>
+        </p:nvPicPr>
+        <p:blipFill>
+          <a:blip r:embed="rId2"/>
+          <a:stretch>
+            <a:fillRect/>
+          </a:stretch>
+        </p:blipFill>
+        <p:spPr>
+          <a:xfrm>
+            <a:off x="10503035" y="275190"/>
+            <a:ext cx="1079365" cy="380952"/>
+          </a:xfrm>
+          <a:prstGeom prst="rect">
+            <a:avLst/>
+          </a:prstGeom>
+        </p:spPr>
+      </p:pic>
     </p:spTree>
     <p:extLst>
       <p:ext uri="{BB962C8B-B14F-4D97-AF65-F5344CB8AC3E}">
@@ -19746,36 +19746,6 @@
           </a:p>
         </p:txBody>
       </p:sp>
-      <p:pic>
-        <p:nvPicPr>
-          <p:cNvPr id="26" name="Picture 25"/>
-          <p:cNvPicPr>
-            <a:picLocks noChangeAspect="1"/>
-          </p:cNvPicPr>
-          <p:nvPr userDrawn="1"/>
-        </p:nvPicPr>
-        <p:blipFill>
-          <a:blip r:embed="rId2">
-            <a:extLst>
-              <a:ext uri="{28A0092B-C50C-407E-A947-70E740481C1C}">
-                <a14:useLocalDpi xmlns:a14="http://schemas.microsoft.com/office/drawing/2010/main" val="0"/>
-              </a:ext>
-            </a:extLst>
-          </a:blip>
-          <a:stretch>
-            <a:fillRect/>
-          </a:stretch>
-        </p:blipFill>
-        <p:spPr>
-          <a:xfrm>
-            <a:off x="9578792" y="333532"/>
-            <a:ext cx="2003608" cy="247337"/>
-          </a:xfrm>
-          <a:prstGeom prst="rect">
-            <a:avLst/>
-          </a:prstGeom>
-        </p:spPr>
-      </p:pic>
       <p:sp>
         <p:nvSpPr>
           <p:cNvPr id="11" name="TextBox 10"/>
@@ -19995,6 +19965,36 @@
           </a:p>
         </p:txBody>
       </p:sp>
+      <p:pic>
+        <p:nvPicPr>
+          <p:cNvPr id="3" name="Picture 2">
+            <a:extLst>
+              <a:ext uri="{FF2B5EF4-FFF2-40B4-BE49-F238E27FC236}">
+                <a16:creationId xmlns:a16="http://schemas.microsoft.com/office/drawing/2014/main" id="{89ADDF1A-39B8-A693-A337-711B77B64651}"/>
+              </a:ext>
+            </a:extLst>
+          </p:cNvPr>
+          <p:cNvPicPr>
+            <a:picLocks noChangeAspect="1"/>
+          </p:cNvPicPr>
+          <p:nvPr userDrawn="1"/>
+        </p:nvPicPr>
+        <p:blipFill>
+          <a:blip r:embed="rId2"/>
+          <a:stretch>
+            <a:fillRect/>
+          </a:stretch>
+        </p:blipFill>
+        <p:spPr>
+          <a:xfrm>
+            <a:off x="10503035" y="275190"/>
+            <a:ext cx="1079365" cy="380952"/>
+          </a:xfrm>
+          <a:prstGeom prst="rect">
+            <a:avLst/>
+          </a:prstGeom>
+        </p:spPr>
+      </p:pic>
     </p:spTree>
     <p:extLst>
       <p:ext uri="{BB962C8B-B14F-4D97-AF65-F5344CB8AC3E}">
@@ -20261,7 +20261,7 @@
           <a:p>
             <a:fld id="{B590C078-9131-4E49-8A0D-400FEE8377B5}" type="datetimeFigureOut">
               <a:rPr lang="en-US" smtClean="0"/>
-              <a:t>10/26/2021</a:t>
+              <a:t>2/20/2025</a:t>
             </a:fld>
             <a:endParaRPr lang="en-US"/>
           </a:p>
@@ -20573,31 +20573,6 @@
           </a:p>
         </p:txBody>
       </p:sp>
-      <p:pic>
-        <p:nvPicPr>
-          <p:cNvPr id="3" name="Picture 2" descr="CAST_grey_100_bl.jpg"/>
-          <p:cNvPicPr>
-            <a:picLocks noChangeAspect="1"/>
-          </p:cNvPicPr>
-          <p:nvPr userDrawn="1"/>
-        </p:nvPicPr>
-        <p:blipFill>
-          <a:blip r:embed="rId2" cstate="print"/>
-          <a:srcRect b="42816"/>
-          <a:stretch>
-            <a:fillRect/>
-          </a:stretch>
-        </p:blipFill>
-        <p:spPr>
-          <a:xfrm>
-            <a:off x="9579864" y="457200"/>
-            <a:ext cx="2002536" cy="222877"/>
-          </a:xfrm>
-          <a:prstGeom prst="rect">
-            <a:avLst/>
-          </a:prstGeom>
-        </p:spPr>
-      </p:pic>
       <p:sp>
         <p:nvSpPr>
           <p:cNvPr id="5" name="Rectangle 4"/>
@@ -22126,6 +22101,36 @@
           </a:p>
         </p:txBody>
       </p:sp>
+      <p:pic>
+        <p:nvPicPr>
+          <p:cNvPr id="31" name="Picture 30">
+            <a:extLst>
+              <a:ext uri="{FF2B5EF4-FFF2-40B4-BE49-F238E27FC236}">
+                <a16:creationId xmlns:a16="http://schemas.microsoft.com/office/drawing/2014/main" id="{D9A49713-E9D4-BDE6-7A26-CFE546AE3EFB}"/>
+              </a:ext>
+            </a:extLst>
+          </p:cNvPr>
+          <p:cNvPicPr>
+            <a:picLocks noChangeAspect="1"/>
+          </p:cNvPicPr>
+          <p:nvPr userDrawn="1"/>
+        </p:nvPicPr>
+        <p:blipFill>
+          <a:blip r:embed="rId2"/>
+          <a:stretch>
+            <a:fillRect/>
+          </a:stretch>
+        </p:blipFill>
+        <p:spPr>
+          <a:xfrm>
+            <a:off x="10503035" y="276303"/>
+            <a:ext cx="1079365" cy="380952"/>
+          </a:xfrm>
+          <a:prstGeom prst="rect">
+            <a:avLst/>
+          </a:prstGeom>
+        </p:spPr>
+      </p:pic>
     </p:spTree>
     <p:extLst>
       <p:ext uri="{BB962C8B-B14F-4D97-AF65-F5344CB8AC3E}">
@@ -22381,36 +22386,6 @@
           </a:p>
         </p:txBody>
       </p:sp>
-      <p:pic>
-        <p:nvPicPr>
-          <p:cNvPr id="8" name="Picture 7"/>
-          <p:cNvPicPr>
-            <a:picLocks noChangeAspect="1"/>
-          </p:cNvPicPr>
-          <p:nvPr userDrawn="1"/>
-        </p:nvPicPr>
-        <p:blipFill>
-          <a:blip r:embed="rId3">
-            <a:extLst>
-              <a:ext uri="{28A0092B-C50C-407E-A947-70E740481C1C}">
-                <a14:useLocalDpi xmlns:a14="http://schemas.microsoft.com/office/drawing/2010/main" val="0"/>
-              </a:ext>
-            </a:extLst>
-          </a:blip>
-          <a:stretch>
-            <a:fillRect/>
-          </a:stretch>
-        </p:blipFill>
-        <p:spPr>
-          <a:xfrm>
-            <a:off x="9578792" y="333532"/>
-            <a:ext cx="2003608" cy="247337"/>
-          </a:xfrm>
-          <a:prstGeom prst="rect">
-            <a:avLst/>
-          </a:prstGeom>
-        </p:spPr>
-      </p:pic>
       <p:sp>
         <p:nvSpPr>
           <p:cNvPr id="18" name="Text Placeholder 17"/>
@@ -22552,6 +22527,36 @@
           </a:p>
         </p:txBody>
       </p:sp>
+      <p:pic>
+        <p:nvPicPr>
+          <p:cNvPr id="2" name="Picture 1">
+            <a:extLst>
+              <a:ext uri="{FF2B5EF4-FFF2-40B4-BE49-F238E27FC236}">
+                <a16:creationId xmlns:a16="http://schemas.microsoft.com/office/drawing/2014/main" id="{457FCA4E-A2BA-2DF2-5640-C5C75EB3279A}"/>
+              </a:ext>
+            </a:extLst>
+          </p:cNvPr>
+          <p:cNvPicPr>
+            <a:picLocks noChangeAspect="1"/>
+          </p:cNvPicPr>
+          <p:nvPr userDrawn="1"/>
+        </p:nvPicPr>
+        <p:blipFill>
+          <a:blip r:embed="rId3"/>
+          <a:stretch>
+            <a:fillRect/>
+          </a:stretch>
+        </p:blipFill>
+        <p:spPr>
+          <a:xfrm>
+            <a:off x="10503035" y="275190"/>
+            <a:ext cx="1079365" cy="380952"/>
+          </a:xfrm>
+          <a:prstGeom prst="rect">
+            <a:avLst/>
+          </a:prstGeom>
+        </p:spPr>
+      </p:pic>
     </p:spTree>
     <p:extLst>
       <p:ext uri="{BB962C8B-B14F-4D97-AF65-F5344CB8AC3E}">
@@ -22804,36 +22809,6 @@
           </a:p>
         </p:txBody>
       </p:sp>
-      <p:pic>
-        <p:nvPicPr>
-          <p:cNvPr id="8" name="Picture 7"/>
-          <p:cNvPicPr>
-            <a:picLocks noChangeAspect="1"/>
-          </p:cNvPicPr>
-          <p:nvPr userDrawn="1"/>
-        </p:nvPicPr>
-        <p:blipFill>
-          <a:blip r:embed="rId3">
-            <a:extLst>
-              <a:ext uri="{28A0092B-C50C-407E-A947-70E740481C1C}">
-                <a14:useLocalDpi xmlns:a14="http://schemas.microsoft.com/office/drawing/2010/main" val="0"/>
-              </a:ext>
-            </a:extLst>
-          </a:blip>
-          <a:stretch>
-            <a:fillRect/>
-          </a:stretch>
-        </p:blipFill>
-        <p:spPr>
-          <a:xfrm>
-            <a:off x="9578792" y="333532"/>
-            <a:ext cx="2003608" cy="247337"/>
-          </a:xfrm>
-          <a:prstGeom prst="rect">
-            <a:avLst/>
-          </a:prstGeom>
-        </p:spPr>
-      </p:pic>
       <p:sp>
         <p:nvSpPr>
           <p:cNvPr id="12" name="Text Placeholder 17"/>
@@ -22975,6 +22950,36 @@
           </a:p>
         </p:txBody>
       </p:sp>
+      <p:pic>
+        <p:nvPicPr>
+          <p:cNvPr id="2" name="Picture 1">
+            <a:extLst>
+              <a:ext uri="{FF2B5EF4-FFF2-40B4-BE49-F238E27FC236}">
+                <a16:creationId xmlns:a16="http://schemas.microsoft.com/office/drawing/2014/main" id="{E9410BF1-48F1-10DA-BC1A-4736E11E774B}"/>
+              </a:ext>
+            </a:extLst>
+          </p:cNvPr>
+          <p:cNvPicPr>
+            <a:picLocks noChangeAspect="1"/>
+          </p:cNvPicPr>
+          <p:nvPr userDrawn="1"/>
+        </p:nvPicPr>
+        <p:blipFill>
+          <a:blip r:embed="rId3"/>
+          <a:stretch>
+            <a:fillRect/>
+          </a:stretch>
+        </p:blipFill>
+        <p:spPr>
+          <a:xfrm>
+            <a:off x="10503035" y="275190"/>
+            <a:ext cx="1079365" cy="380952"/>
+          </a:xfrm>
+          <a:prstGeom prst="rect">
+            <a:avLst/>
+          </a:prstGeom>
+        </p:spPr>
+      </p:pic>
     </p:spTree>
     <p:extLst>
       <p:ext uri="{BB962C8B-B14F-4D97-AF65-F5344CB8AC3E}">
@@ -23225,36 +23230,6 @@
           </a:p>
         </p:txBody>
       </p:sp>
-      <p:pic>
-        <p:nvPicPr>
-          <p:cNvPr id="8" name="Picture 7"/>
-          <p:cNvPicPr>
-            <a:picLocks noChangeAspect="1"/>
-          </p:cNvPicPr>
-          <p:nvPr userDrawn="1"/>
-        </p:nvPicPr>
-        <p:blipFill>
-          <a:blip r:embed="rId3">
-            <a:extLst>
-              <a:ext uri="{28A0092B-C50C-407E-A947-70E740481C1C}">
-                <a14:useLocalDpi xmlns:a14="http://schemas.microsoft.com/office/drawing/2010/main" val="0"/>
-              </a:ext>
-            </a:extLst>
-          </a:blip>
-          <a:stretch>
-            <a:fillRect/>
-          </a:stretch>
-        </p:blipFill>
-        <p:spPr>
-          <a:xfrm>
-            <a:off x="9578792" y="333532"/>
-            <a:ext cx="2003608" cy="247337"/>
-          </a:xfrm>
-          <a:prstGeom prst="rect">
-            <a:avLst/>
-          </a:prstGeom>
-        </p:spPr>
-      </p:pic>
       <p:sp>
         <p:nvSpPr>
           <p:cNvPr id="11" name="Text Placeholder 17"/>
@@ -23396,6 +23371,36 @@
           </a:p>
         </p:txBody>
       </p:sp>
+      <p:pic>
+        <p:nvPicPr>
+          <p:cNvPr id="2" name="Picture 1">
+            <a:extLst>
+              <a:ext uri="{FF2B5EF4-FFF2-40B4-BE49-F238E27FC236}">
+                <a16:creationId xmlns:a16="http://schemas.microsoft.com/office/drawing/2014/main" id="{DDDF4A1C-6476-3CAA-1395-8623B3DDFAA7}"/>
+              </a:ext>
+            </a:extLst>
+          </p:cNvPr>
+          <p:cNvPicPr>
+            <a:picLocks noChangeAspect="1"/>
+          </p:cNvPicPr>
+          <p:nvPr userDrawn="1"/>
+        </p:nvPicPr>
+        <p:blipFill>
+          <a:blip r:embed="rId3"/>
+          <a:stretch>
+            <a:fillRect/>
+          </a:stretch>
+        </p:blipFill>
+        <p:spPr>
+          <a:xfrm>
+            <a:off x="10503035" y="275190"/>
+            <a:ext cx="1079365" cy="380952"/>
+          </a:xfrm>
+          <a:prstGeom prst="rect">
+            <a:avLst/>
+          </a:prstGeom>
+        </p:spPr>
+      </p:pic>
     </p:spTree>
     <p:extLst>
       <p:ext uri="{BB962C8B-B14F-4D97-AF65-F5344CB8AC3E}">
@@ -23492,31 +23497,6 @@
           <a:chExt cx="0" cy="0"/>
         </a:xfrm>
       </p:grpSpPr>
-      <p:pic>
-        <p:nvPicPr>
-          <p:cNvPr id="3" name="Picture 2" descr="CAST_grey_100_bl.jpg"/>
-          <p:cNvPicPr>
-            <a:picLocks noChangeAspect="1"/>
-          </p:cNvPicPr>
-          <p:nvPr userDrawn="1"/>
-        </p:nvPicPr>
-        <p:blipFill>
-          <a:blip r:embed="rId2" cstate="print"/>
-          <a:srcRect b="42816"/>
-          <a:stretch>
-            <a:fillRect/>
-          </a:stretch>
-        </p:blipFill>
-        <p:spPr>
-          <a:xfrm>
-            <a:off x="9381148" y="333532"/>
-            <a:ext cx="2222308" cy="247337"/>
-          </a:xfrm>
-          <a:prstGeom prst="rect">
-            <a:avLst/>
-          </a:prstGeom>
-        </p:spPr>
-      </p:pic>
       <p:sp>
         <p:nvSpPr>
           <p:cNvPr id="4" name="Slide Number Placeholder 3"/>
@@ -23577,6 +23557,36 @@
           </a:p>
         </p:txBody>
       </p:sp>
+      <p:pic>
+        <p:nvPicPr>
+          <p:cNvPr id="2" name="Picture 1">
+            <a:extLst>
+              <a:ext uri="{FF2B5EF4-FFF2-40B4-BE49-F238E27FC236}">
+                <a16:creationId xmlns:a16="http://schemas.microsoft.com/office/drawing/2014/main" id="{8AE19AF1-1972-E89B-410E-391C1957AE61}"/>
+              </a:ext>
+            </a:extLst>
+          </p:cNvPr>
+          <p:cNvPicPr>
+            <a:picLocks noChangeAspect="1"/>
+          </p:cNvPicPr>
+          <p:nvPr userDrawn="1"/>
+        </p:nvPicPr>
+        <p:blipFill>
+          <a:blip r:embed="rId2"/>
+          <a:stretch>
+            <a:fillRect/>
+          </a:stretch>
+        </p:blipFill>
+        <p:spPr>
+          <a:xfrm>
+            <a:off x="10503035" y="276303"/>
+            <a:ext cx="1079365" cy="380952"/>
+          </a:xfrm>
+          <a:prstGeom prst="rect">
+            <a:avLst/>
+          </a:prstGeom>
+        </p:spPr>
+      </p:pic>
     </p:spTree>
     <p:extLst>
       <p:ext uri="{BB962C8B-B14F-4D97-AF65-F5344CB8AC3E}">
@@ -23830,36 +23840,6 @@
           </a:p>
         </p:txBody>
       </p:sp>
-      <p:pic>
-        <p:nvPicPr>
-          <p:cNvPr id="11" name="Picture 10"/>
-          <p:cNvPicPr>
-            <a:picLocks noChangeAspect="1"/>
-          </p:cNvPicPr>
-          <p:nvPr userDrawn="1"/>
-        </p:nvPicPr>
-        <p:blipFill>
-          <a:blip r:embed="rId2">
-            <a:extLst>
-              <a:ext uri="{28A0092B-C50C-407E-A947-70E740481C1C}">
-                <a14:useLocalDpi xmlns:a14="http://schemas.microsoft.com/office/drawing/2010/main" val="0"/>
-              </a:ext>
-            </a:extLst>
-          </a:blip>
-          <a:stretch>
-            <a:fillRect/>
-          </a:stretch>
-        </p:blipFill>
-        <p:spPr>
-          <a:xfrm>
-            <a:off x="9578792" y="333532"/>
-            <a:ext cx="2003608" cy="247337"/>
-          </a:xfrm>
-          <a:prstGeom prst="rect">
-            <a:avLst/>
-          </a:prstGeom>
-        </p:spPr>
-      </p:pic>
       <p:sp>
         <p:nvSpPr>
           <p:cNvPr id="9" name="Text Placeholder 7"/>
@@ -23922,6 +23902,36 @@
           </a:p>
         </p:txBody>
       </p:sp>
+      <p:pic>
+        <p:nvPicPr>
+          <p:cNvPr id="2" name="Picture 1">
+            <a:extLst>
+              <a:ext uri="{FF2B5EF4-FFF2-40B4-BE49-F238E27FC236}">
+                <a16:creationId xmlns:a16="http://schemas.microsoft.com/office/drawing/2014/main" id="{E2496CB8-8756-F93A-FDA6-E67423EC46D9}"/>
+              </a:ext>
+            </a:extLst>
+          </p:cNvPr>
+          <p:cNvPicPr>
+            <a:picLocks noChangeAspect="1"/>
+          </p:cNvPicPr>
+          <p:nvPr userDrawn="1"/>
+        </p:nvPicPr>
+        <p:blipFill>
+          <a:blip r:embed="rId2"/>
+          <a:stretch>
+            <a:fillRect/>
+          </a:stretch>
+        </p:blipFill>
+        <p:spPr>
+          <a:xfrm>
+            <a:off x="10503035" y="275190"/>
+            <a:ext cx="1079365" cy="380952"/>
+          </a:xfrm>
+          <a:prstGeom prst="rect">
+            <a:avLst/>
+          </a:prstGeom>
+        </p:spPr>
+      </p:pic>
     </p:spTree>
     <p:extLst>
       <p:ext uri="{BB962C8B-B14F-4D97-AF65-F5344CB8AC3E}">
@@ -24086,7 +24096,7 @@
           <a:p>
             <a:fld id="{B590C078-9131-4E49-8A0D-400FEE8377B5}" type="datetimeFigureOut">
               <a:rPr lang="en-US" smtClean="0"/>
-              <a:t>10/26/2021</a:t>
+              <a:t>2/20/2025</a:t>
             </a:fld>
             <a:endParaRPr lang="en-US"/>
           </a:p>

--- a/CastReporting.Reporting.Core/Templates/zh-Hans/Application/Component library/Generic Graph Definition.pptx
+++ b/CastReporting.Reporting.Core/Templates/zh-Hans/Application/Component library/Generic Graph Definition.pptx
@@ -12109,7 +12109,7 @@
           <a:p>
             <a:fld id="{BE7CF963-E58D-FC4D-BA9E-60A980752DC6}" type="datetimeFigureOut">
               <a:rPr lang="en-US" smtClean="0"/>
-              <a:t>10/26/2021</a:t>
+              <a:t>2/20/2025</a:t>
             </a:fld>
             <a:endParaRPr lang="en-US"/>
           </a:p>
@@ -12598,7 +12598,7 @@
           <a:p>
             <a:fld id="{B590C078-9131-4E49-8A0D-400FEE8377B5}" type="datetimeFigureOut">
               <a:rPr lang="en-US" smtClean="0"/>
-              <a:t>10/26/2021</a:t>
+              <a:t>2/20/2025</a:t>
             </a:fld>
             <a:endParaRPr lang="en-US"/>
           </a:p>
@@ -12722,36 +12722,6 @@
           </a:p>
         </p:txBody>
       </p:sp>
-      <p:pic>
-        <p:nvPicPr>
-          <p:cNvPr id="11" name="Picture 10"/>
-          <p:cNvPicPr>
-            <a:picLocks noChangeAspect="1"/>
-          </p:cNvPicPr>
-          <p:nvPr userDrawn="1"/>
-        </p:nvPicPr>
-        <p:blipFill>
-          <a:blip r:embed="rId2">
-            <a:extLst>
-              <a:ext uri="{28A0092B-C50C-407E-A947-70E740481C1C}">
-                <a14:useLocalDpi xmlns:a14="http://schemas.microsoft.com/office/drawing/2010/main" val="0"/>
-              </a:ext>
-            </a:extLst>
-          </a:blip>
-          <a:stretch>
-            <a:fillRect/>
-          </a:stretch>
-        </p:blipFill>
-        <p:spPr>
-          <a:xfrm>
-            <a:off x="9578792" y="333532"/>
-            <a:ext cx="2003608" cy="247337"/>
-          </a:xfrm>
-          <a:prstGeom prst="rect">
-            <a:avLst/>
-          </a:prstGeom>
-        </p:spPr>
-      </p:pic>
       <p:sp>
         <p:nvSpPr>
           <p:cNvPr id="10" name="TextBox 9"/>
@@ -12932,6 +12902,36 @@
           </a:p>
         </p:txBody>
       </p:sp>
+      <p:pic>
+        <p:nvPicPr>
+          <p:cNvPr id="2" name="Picture 1">
+            <a:extLst>
+              <a:ext uri="{FF2B5EF4-FFF2-40B4-BE49-F238E27FC236}">
+                <a16:creationId xmlns:a16="http://schemas.microsoft.com/office/drawing/2014/main" id="{6DD1AB6F-60DB-EC7B-9890-A75123B1F042}"/>
+              </a:ext>
+            </a:extLst>
+          </p:cNvPr>
+          <p:cNvPicPr>
+            <a:picLocks noChangeAspect="1"/>
+          </p:cNvPicPr>
+          <p:nvPr userDrawn="1"/>
+        </p:nvPicPr>
+        <p:blipFill>
+          <a:blip r:embed="rId2"/>
+          <a:stretch>
+            <a:fillRect/>
+          </a:stretch>
+        </p:blipFill>
+        <p:spPr>
+          <a:xfrm>
+            <a:off x="10564611" y="266724"/>
+            <a:ext cx="1079365" cy="380952"/>
+          </a:xfrm>
+          <a:prstGeom prst="rect">
+            <a:avLst/>
+          </a:prstGeom>
+        </p:spPr>
+      </p:pic>
     </p:spTree>
     <p:extLst>
       <p:ext uri="{BB962C8B-B14F-4D97-AF65-F5344CB8AC3E}">
@@ -13069,36 +13069,6 @@
           </a:p>
         </p:txBody>
       </p:sp>
-      <p:pic>
-        <p:nvPicPr>
-          <p:cNvPr id="11" name="Picture 10"/>
-          <p:cNvPicPr>
-            <a:picLocks noChangeAspect="1"/>
-          </p:cNvPicPr>
-          <p:nvPr userDrawn="1"/>
-        </p:nvPicPr>
-        <p:blipFill>
-          <a:blip r:embed="rId2">
-            <a:extLst>
-              <a:ext uri="{28A0092B-C50C-407E-A947-70E740481C1C}">
-                <a14:useLocalDpi xmlns:a14="http://schemas.microsoft.com/office/drawing/2010/main" val="0"/>
-              </a:ext>
-            </a:extLst>
-          </a:blip>
-          <a:stretch>
-            <a:fillRect/>
-          </a:stretch>
-        </p:blipFill>
-        <p:spPr>
-          <a:xfrm>
-            <a:off x="9578792" y="333532"/>
-            <a:ext cx="2003608" cy="247337"/>
-          </a:xfrm>
-          <a:prstGeom prst="rect">
-            <a:avLst/>
-          </a:prstGeom>
-        </p:spPr>
-      </p:pic>
       <p:sp>
         <p:nvSpPr>
           <p:cNvPr id="10" name="TextBox 9"/>
@@ -13277,6 +13247,36 @@
           </a:p>
         </p:txBody>
       </p:sp>
+      <p:pic>
+        <p:nvPicPr>
+          <p:cNvPr id="2" name="Picture 1">
+            <a:extLst>
+              <a:ext uri="{FF2B5EF4-FFF2-40B4-BE49-F238E27FC236}">
+                <a16:creationId xmlns:a16="http://schemas.microsoft.com/office/drawing/2014/main" id="{7F4CA1A0-C64D-0D3B-E0C1-C06B847BBDA4}"/>
+              </a:ext>
+            </a:extLst>
+          </p:cNvPr>
+          <p:cNvPicPr>
+            <a:picLocks noChangeAspect="1"/>
+          </p:cNvPicPr>
+          <p:nvPr userDrawn="1"/>
+        </p:nvPicPr>
+        <p:blipFill>
+          <a:blip r:embed="rId2"/>
+          <a:stretch>
+            <a:fillRect/>
+          </a:stretch>
+        </p:blipFill>
+        <p:spPr>
+          <a:xfrm>
+            <a:off x="10564611" y="266724"/>
+            <a:ext cx="1079365" cy="380952"/>
+          </a:xfrm>
+          <a:prstGeom prst="rect">
+            <a:avLst/>
+          </a:prstGeom>
+        </p:spPr>
+      </p:pic>
     </p:spTree>
     <p:extLst>
       <p:ext uri="{BB962C8B-B14F-4D97-AF65-F5344CB8AC3E}">
@@ -13414,36 +13414,6 @@
           </a:p>
         </p:txBody>
       </p:sp>
-      <p:pic>
-        <p:nvPicPr>
-          <p:cNvPr id="11" name="Picture 10"/>
-          <p:cNvPicPr>
-            <a:picLocks noChangeAspect="1"/>
-          </p:cNvPicPr>
-          <p:nvPr userDrawn="1"/>
-        </p:nvPicPr>
-        <p:blipFill>
-          <a:blip r:embed="rId2">
-            <a:extLst>
-              <a:ext uri="{28A0092B-C50C-407E-A947-70E740481C1C}">
-                <a14:useLocalDpi xmlns:a14="http://schemas.microsoft.com/office/drawing/2010/main" val="0"/>
-              </a:ext>
-            </a:extLst>
-          </a:blip>
-          <a:stretch>
-            <a:fillRect/>
-          </a:stretch>
-        </p:blipFill>
-        <p:spPr>
-          <a:xfrm>
-            <a:off x="9578792" y="333532"/>
-            <a:ext cx="2003608" cy="247337"/>
-          </a:xfrm>
-          <a:prstGeom prst="rect">
-            <a:avLst/>
-          </a:prstGeom>
-        </p:spPr>
-      </p:pic>
       <p:sp>
         <p:nvSpPr>
           <p:cNvPr id="10" name="TextBox 9"/>
@@ -13622,6 +13592,36 @@
           </a:p>
         </p:txBody>
       </p:sp>
+      <p:pic>
+        <p:nvPicPr>
+          <p:cNvPr id="2" name="Picture 1">
+            <a:extLst>
+              <a:ext uri="{FF2B5EF4-FFF2-40B4-BE49-F238E27FC236}">
+                <a16:creationId xmlns:a16="http://schemas.microsoft.com/office/drawing/2014/main" id="{3F3F2274-67B6-CE29-0FED-44C40EEF1A22}"/>
+              </a:ext>
+            </a:extLst>
+          </p:cNvPr>
+          <p:cNvPicPr>
+            <a:picLocks noChangeAspect="1"/>
+          </p:cNvPicPr>
+          <p:nvPr userDrawn="1"/>
+        </p:nvPicPr>
+        <p:blipFill>
+          <a:blip r:embed="rId2"/>
+          <a:stretch>
+            <a:fillRect/>
+          </a:stretch>
+        </p:blipFill>
+        <p:spPr>
+          <a:xfrm>
+            <a:off x="10564611" y="266724"/>
+            <a:ext cx="1079365" cy="380952"/>
+          </a:xfrm>
+          <a:prstGeom prst="rect">
+            <a:avLst/>
+          </a:prstGeom>
+        </p:spPr>
+      </p:pic>
     </p:spTree>
     <p:extLst>
       <p:ext uri="{BB962C8B-B14F-4D97-AF65-F5344CB8AC3E}">
@@ -13759,36 +13759,6 @@
           </a:p>
         </p:txBody>
       </p:sp>
-      <p:pic>
-        <p:nvPicPr>
-          <p:cNvPr id="11" name="Picture 10"/>
-          <p:cNvPicPr>
-            <a:picLocks noChangeAspect="1"/>
-          </p:cNvPicPr>
-          <p:nvPr userDrawn="1"/>
-        </p:nvPicPr>
-        <p:blipFill>
-          <a:blip r:embed="rId2">
-            <a:extLst>
-              <a:ext uri="{28A0092B-C50C-407E-A947-70E740481C1C}">
-                <a14:useLocalDpi xmlns:a14="http://schemas.microsoft.com/office/drawing/2010/main" val="0"/>
-              </a:ext>
-            </a:extLst>
-          </a:blip>
-          <a:stretch>
-            <a:fillRect/>
-          </a:stretch>
-        </p:blipFill>
-        <p:spPr>
-          <a:xfrm>
-            <a:off x="9578792" y="333532"/>
-            <a:ext cx="2003608" cy="247337"/>
-          </a:xfrm>
-          <a:prstGeom prst="rect">
-            <a:avLst/>
-          </a:prstGeom>
-        </p:spPr>
-      </p:pic>
       <p:sp>
         <p:nvSpPr>
           <p:cNvPr id="10" name="TextBox 9"/>
@@ -13967,6 +13937,36 @@
           </a:p>
         </p:txBody>
       </p:sp>
+      <p:pic>
+        <p:nvPicPr>
+          <p:cNvPr id="2" name="Picture 1">
+            <a:extLst>
+              <a:ext uri="{FF2B5EF4-FFF2-40B4-BE49-F238E27FC236}">
+                <a16:creationId xmlns:a16="http://schemas.microsoft.com/office/drawing/2014/main" id="{D0564F4E-DB0C-ADC8-B9C8-87231BDABB48}"/>
+              </a:ext>
+            </a:extLst>
+          </p:cNvPr>
+          <p:cNvPicPr>
+            <a:picLocks noChangeAspect="1"/>
+          </p:cNvPicPr>
+          <p:nvPr userDrawn="1"/>
+        </p:nvPicPr>
+        <p:blipFill>
+          <a:blip r:embed="rId2"/>
+          <a:stretch>
+            <a:fillRect/>
+          </a:stretch>
+        </p:blipFill>
+        <p:spPr>
+          <a:xfrm>
+            <a:off x="10564611" y="266724"/>
+            <a:ext cx="1079365" cy="380952"/>
+          </a:xfrm>
+          <a:prstGeom prst="rect">
+            <a:avLst/>
+          </a:prstGeom>
+        </p:spPr>
+      </p:pic>
     </p:spTree>
     <p:extLst>
       <p:ext uri="{BB962C8B-B14F-4D97-AF65-F5344CB8AC3E}">
@@ -14107,36 +14107,6 @@
           </a:p>
         </p:txBody>
       </p:sp>
-      <p:pic>
-        <p:nvPicPr>
-          <p:cNvPr id="11" name="Picture 10"/>
-          <p:cNvPicPr>
-            <a:picLocks noChangeAspect="1"/>
-          </p:cNvPicPr>
-          <p:nvPr userDrawn="1"/>
-        </p:nvPicPr>
-        <p:blipFill>
-          <a:blip r:embed="rId2">
-            <a:extLst>
-              <a:ext uri="{28A0092B-C50C-407E-A947-70E740481C1C}">
-                <a14:useLocalDpi xmlns:a14="http://schemas.microsoft.com/office/drawing/2010/main" val="0"/>
-              </a:ext>
-            </a:extLst>
-          </a:blip>
-          <a:stretch>
-            <a:fillRect/>
-          </a:stretch>
-        </p:blipFill>
-        <p:spPr>
-          <a:xfrm>
-            <a:off x="9578792" y="333532"/>
-            <a:ext cx="2003608" cy="247337"/>
-          </a:xfrm>
-          <a:prstGeom prst="rect">
-            <a:avLst/>
-          </a:prstGeom>
-        </p:spPr>
-      </p:pic>
       <p:sp>
         <p:nvSpPr>
           <p:cNvPr id="10" name="TextBox 9"/>
@@ -14315,6 +14285,36 @@
           </a:p>
         </p:txBody>
       </p:sp>
+      <p:pic>
+        <p:nvPicPr>
+          <p:cNvPr id="2" name="Picture 1">
+            <a:extLst>
+              <a:ext uri="{FF2B5EF4-FFF2-40B4-BE49-F238E27FC236}">
+                <a16:creationId xmlns:a16="http://schemas.microsoft.com/office/drawing/2014/main" id="{C90CDC19-0BDD-5B8C-AE1B-BBF465A157BE}"/>
+              </a:ext>
+            </a:extLst>
+          </p:cNvPr>
+          <p:cNvPicPr>
+            <a:picLocks noChangeAspect="1"/>
+          </p:cNvPicPr>
+          <p:nvPr userDrawn="1"/>
+        </p:nvPicPr>
+        <p:blipFill>
+          <a:blip r:embed="rId2"/>
+          <a:stretch>
+            <a:fillRect/>
+          </a:stretch>
+        </p:blipFill>
+        <p:spPr>
+          <a:xfrm>
+            <a:off x="10564611" y="266724"/>
+            <a:ext cx="1079365" cy="380952"/>
+          </a:xfrm>
+          <a:prstGeom prst="rect">
+            <a:avLst/>
+          </a:prstGeom>
+        </p:spPr>
+      </p:pic>
     </p:spTree>
     <p:extLst>
       <p:ext uri="{BB962C8B-B14F-4D97-AF65-F5344CB8AC3E}">
@@ -14452,36 +14452,6 @@
           </a:p>
         </p:txBody>
       </p:sp>
-      <p:pic>
-        <p:nvPicPr>
-          <p:cNvPr id="11" name="Picture 10"/>
-          <p:cNvPicPr>
-            <a:picLocks noChangeAspect="1"/>
-          </p:cNvPicPr>
-          <p:nvPr userDrawn="1"/>
-        </p:nvPicPr>
-        <p:blipFill>
-          <a:blip r:embed="rId2">
-            <a:extLst>
-              <a:ext uri="{28A0092B-C50C-407E-A947-70E740481C1C}">
-                <a14:useLocalDpi xmlns:a14="http://schemas.microsoft.com/office/drawing/2010/main" val="0"/>
-              </a:ext>
-            </a:extLst>
-          </a:blip>
-          <a:stretch>
-            <a:fillRect/>
-          </a:stretch>
-        </p:blipFill>
-        <p:spPr>
-          <a:xfrm>
-            <a:off x="9578792" y="333532"/>
-            <a:ext cx="2003608" cy="247337"/>
-          </a:xfrm>
-          <a:prstGeom prst="rect">
-            <a:avLst/>
-          </a:prstGeom>
-        </p:spPr>
-      </p:pic>
       <p:sp>
         <p:nvSpPr>
           <p:cNvPr id="10" name="TextBox 9"/>
@@ -14663,6 +14633,36 @@
           </a:p>
         </p:txBody>
       </p:sp>
+      <p:pic>
+        <p:nvPicPr>
+          <p:cNvPr id="2" name="Picture 1">
+            <a:extLst>
+              <a:ext uri="{FF2B5EF4-FFF2-40B4-BE49-F238E27FC236}">
+                <a16:creationId xmlns:a16="http://schemas.microsoft.com/office/drawing/2014/main" id="{B87F6F9E-F7EA-C65B-872D-7AB5AD03F53B}"/>
+              </a:ext>
+            </a:extLst>
+          </p:cNvPr>
+          <p:cNvPicPr>
+            <a:picLocks noChangeAspect="1"/>
+          </p:cNvPicPr>
+          <p:nvPr userDrawn="1"/>
+        </p:nvPicPr>
+        <p:blipFill>
+          <a:blip r:embed="rId2"/>
+          <a:stretch>
+            <a:fillRect/>
+          </a:stretch>
+        </p:blipFill>
+        <p:spPr>
+          <a:xfrm>
+            <a:off x="10564611" y="266724"/>
+            <a:ext cx="1079365" cy="380952"/>
+          </a:xfrm>
+          <a:prstGeom prst="rect">
+            <a:avLst/>
+          </a:prstGeom>
+        </p:spPr>
+      </p:pic>
     </p:spTree>
     <p:extLst>
       <p:ext uri="{BB962C8B-B14F-4D97-AF65-F5344CB8AC3E}">
@@ -14906,36 +14906,6 @@
           </a:p>
         </p:txBody>
       </p:sp>
-      <p:pic>
-        <p:nvPicPr>
-          <p:cNvPr id="11" name="Picture 10"/>
-          <p:cNvPicPr>
-            <a:picLocks noChangeAspect="1"/>
-          </p:cNvPicPr>
-          <p:nvPr userDrawn="1"/>
-        </p:nvPicPr>
-        <p:blipFill>
-          <a:blip r:embed="rId2">
-            <a:extLst>
-              <a:ext uri="{28A0092B-C50C-407E-A947-70E740481C1C}">
-                <a14:useLocalDpi xmlns:a14="http://schemas.microsoft.com/office/drawing/2010/main" val="0"/>
-              </a:ext>
-            </a:extLst>
-          </a:blip>
-          <a:stretch>
-            <a:fillRect/>
-          </a:stretch>
-        </p:blipFill>
-        <p:spPr>
-          <a:xfrm>
-            <a:off x="9578792" y="333532"/>
-            <a:ext cx="2003608" cy="247337"/>
-          </a:xfrm>
-          <a:prstGeom prst="rect">
-            <a:avLst/>
-          </a:prstGeom>
-        </p:spPr>
-      </p:pic>
       <p:sp>
         <p:nvSpPr>
           <p:cNvPr id="9" name="Text Placeholder 7"/>
@@ -15009,6 +14979,36 @@
           </a:p>
         </p:txBody>
       </p:sp>
+      <p:pic>
+        <p:nvPicPr>
+          <p:cNvPr id="2" name="Picture 1">
+            <a:extLst>
+              <a:ext uri="{FF2B5EF4-FFF2-40B4-BE49-F238E27FC236}">
+                <a16:creationId xmlns:a16="http://schemas.microsoft.com/office/drawing/2014/main" id="{EB115329-1F4D-11B4-BB5C-54E1ECDD7919}"/>
+              </a:ext>
+            </a:extLst>
+          </p:cNvPr>
+          <p:cNvPicPr>
+            <a:picLocks noChangeAspect="1"/>
+          </p:cNvPicPr>
+          <p:nvPr userDrawn="1"/>
+        </p:nvPicPr>
+        <p:blipFill>
+          <a:blip r:embed="rId2"/>
+          <a:stretch>
+            <a:fillRect/>
+          </a:stretch>
+        </p:blipFill>
+        <p:spPr>
+          <a:xfrm>
+            <a:off x="10564611" y="266724"/>
+            <a:ext cx="1079365" cy="380952"/>
+          </a:xfrm>
+          <a:prstGeom prst="rect">
+            <a:avLst/>
+          </a:prstGeom>
+        </p:spPr>
+      </p:pic>
     </p:spTree>
     <p:extLst>
       <p:ext uri="{BB962C8B-B14F-4D97-AF65-F5344CB8AC3E}">
@@ -15146,36 +15146,6 @@
           </a:p>
         </p:txBody>
       </p:sp>
-      <p:pic>
-        <p:nvPicPr>
-          <p:cNvPr id="11" name="Picture 10"/>
-          <p:cNvPicPr>
-            <a:picLocks noChangeAspect="1"/>
-          </p:cNvPicPr>
-          <p:nvPr userDrawn="1"/>
-        </p:nvPicPr>
-        <p:blipFill>
-          <a:blip r:embed="rId2">
-            <a:extLst>
-              <a:ext uri="{28A0092B-C50C-407E-A947-70E740481C1C}">
-                <a14:useLocalDpi xmlns:a14="http://schemas.microsoft.com/office/drawing/2010/main" val="0"/>
-              </a:ext>
-            </a:extLst>
-          </a:blip>
-          <a:stretch>
-            <a:fillRect/>
-          </a:stretch>
-        </p:blipFill>
-        <p:spPr>
-          <a:xfrm>
-            <a:off x="9578792" y="333532"/>
-            <a:ext cx="2003608" cy="247337"/>
-          </a:xfrm>
-          <a:prstGeom prst="rect">
-            <a:avLst/>
-          </a:prstGeom>
-        </p:spPr>
-      </p:pic>
       <p:sp>
         <p:nvSpPr>
           <p:cNvPr id="10" name="TextBox 9"/>
@@ -15356,6 +15326,36 @@
           </a:p>
         </p:txBody>
       </p:sp>
+      <p:pic>
+        <p:nvPicPr>
+          <p:cNvPr id="2" name="Picture 1">
+            <a:extLst>
+              <a:ext uri="{FF2B5EF4-FFF2-40B4-BE49-F238E27FC236}">
+                <a16:creationId xmlns:a16="http://schemas.microsoft.com/office/drawing/2014/main" id="{779240EB-8FC0-6450-F094-97BB60676046}"/>
+              </a:ext>
+            </a:extLst>
+          </p:cNvPr>
+          <p:cNvPicPr>
+            <a:picLocks noChangeAspect="1"/>
+          </p:cNvPicPr>
+          <p:nvPr userDrawn="1"/>
+        </p:nvPicPr>
+        <p:blipFill>
+          <a:blip r:embed="rId2"/>
+          <a:stretch>
+            <a:fillRect/>
+          </a:stretch>
+        </p:blipFill>
+        <p:spPr>
+          <a:xfrm>
+            <a:off x="10564611" y="266724"/>
+            <a:ext cx="1079365" cy="380952"/>
+          </a:xfrm>
+          <a:prstGeom prst="rect">
+            <a:avLst/>
+          </a:prstGeom>
+        </p:spPr>
+      </p:pic>
     </p:spTree>
     <p:extLst>
       <p:ext uri="{BB962C8B-B14F-4D97-AF65-F5344CB8AC3E}">
@@ -15493,36 +15493,6 @@
           </a:p>
         </p:txBody>
       </p:sp>
-      <p:pic>
-        <p:nvPicPr>
-          <p:cNvPr id="11" name="Picture 10"/>
-          <p:cNvPicPr>
-            <a:picLocks noChangeAspect="1"/>
-          </p:cNvPicPr>
-          <p:nvPr userDrawn="1"/>
-        </p:nvPicPr>
-        <p:blipFill>
-          <a:blip r:embed="rId2">
-            <a:extLst>
-              <a:ext uri="{28A0092B-C50C-407E-A947-70E740481C1C}">
-                <a14:useLocalDpi xmlns:a14="http://schemas.microsoft.com/office/drawing/2010/main" val="0"/>
-              </a:ext>
-            </a:extLst>
-          </a:blip>
-          <a:stretch>
-            <a:fillRect/>
-          </a:stretch>
-        </p:blipFill>
-        <p:spPr>
-          <a:xfrm>
-            <a:off x="9578792" y="333532"/>
-            <a:ext cx="2003608" cy="247337"/>
-          </a:xfrm>
-          <a:prstGeom prst="rect">
-            <a:avLst/>
-          </a:prstGeom>
-        </p:spPr>
-      </p:pic>
       <p:sp>
         <p:nvSpPr>
           <p:cNvPr id="10" name="TextBox 9"/>
@@ -15702,6 +15672,36 @@
           </a:p>
         </p:txBody>
       </p:sp>
+      <p:pic>
+        <p:nvPicPr>
+          <p:cNvPr id="2" name="Picture 1">
+            <a:extLst>
+              <a:ext uri="{FF2B5EF4-FFF2-40B4-BE49-F238E27FC236}">
+                <a16:creationId xmlns:a16="http://schemas.microsoft.com/office/drawing/2014/main" id="{76D96DF5-C141-9767-7186-3BC24BDF117E}"/>
+              </a:ext>
+            </a:extLst>
+          </p:cNvPr>
+          <p:cNvPicPr>
+            <a:picLocks noChangeAspect="1"/>
+          </p:cNvPicPr>
+          <p:nvPr userDrawn="1"/>
+        </p:nvPicPr>
+        <p:blipFill>
+          <a:blip r:embed="rId2"/>
+          <a:stretch>
+            <a:fillRect/>
+          </a:stretch>
+        </p:blipFill>
+        <p:spPr>
+          <a:xfrm>
+            <a:off x="10564611" y="266724"/>
+            <a:ext cx="1079365" cy="380952"/>
+          </a:xfrm>
+          <a:prstGeom prst="rect">
+            <a:avLst/>
+          </a:prstGeom>
+        </p:spPr>
+      </p:pic>
     </p:spTree>
     <p:extLst>
       <p:ext uri="{BB962C8B-B14F-4D97-AF65-F5344CB8AC3E}">
@@ -15839,36 +15839,6 @@
           </a:p>
         </p:txBody>
       </p:sp>
-      <p:pic>
-        <p:nvPicPr>
-          <p:cNvPr id="11" name="Picture 10"/>
-          <p:cNvPicPr>
-            <a:picLocks noChangeAspect="1"/>
-          </p:cNvPicPr>
-          <p:nvPr userDrawn="1"/>
-        </p:nvPicPr>
-        <p:blipFill>
-          <a:blip r:embed="rId2">
-            <a:extLst>
-              <a:ext uri="{28A0092B-C50C-407E-A947-70E740481C1C}">
-                <a14:useLocalDpi xmlns:a14="http://schemas.microsoft.com/office/drawing/2010/main" val="0"/>
-              </a:ext>
-            </a:extLst>
-          </a:blip>
-          <a:stretch>
-            <a:fillRect/>
-          </a:stretch>
-        </p:blipFill>
-        <p:spPr>
-          <a:xfrm>
-            <a:off x="9578792" y="333532"/>
-            <a:ext cx="2003608" cy="247337"/>
-          </a:xfrm>
-          <a:prstGeom prst="rect">
-            <a:avLst/>
-          </a:prstGeom>
-        </p:spPr>
-      </p:pic>
       <p:sp>
         <p:nvSpPr>
           <p:cNvPr id="10" name="TextBox 9"/>
@@ -16048,6 +16018,36 @@
           </a:p>
         </p:txBody>
       </p:sp>
+      <p:pic>
+        <p:nvPicPr>
+          <p:cNvPr id="2" name="Picture 1">
+            <a:extLst>
+              <a:ext uri="{FF2B5EF4-FFF2-40B4-BE49-F238E27FC236}">
+                <a16:creationId xmlns:a16="http://schemas.microsoft.com/office/drawing/2014/main" id="{093F56F3-F933-C140-9BEF-6E513FEB7E88}"/>
+              </a:ext>
+            </a:extLst>
+          </p:cNvPr>
+          <p:cNvPicPr>
+            <a:picLocks noChangeAspect="1"/>
+          </p:cNvPicPr>
+          <p:nvPr userDrawn="1"/>
+        </p:nvPicPr>
+        <p:blipFill>
+          <a:blip r:embed="rId2"/>
+          <a:stretch>
+            <a:fillRect/>
+          </a:stretch>
+        </p:blipFill>
+        <p:spPr>
+          <a:xfrm>
+            <a:off x="10564611" y="266724"/>
+            <a:ext cx="1079365" cy="380952"/>
+          </a:xfrm>
+          <a:prstGeom prst="rect">
+            <a:avLst/>
+          </a:prstGeom>
+        </p:spPr>
+      </p:pic>
     </p:spTree>
     <p:extLst>
       <p:ext uri="{BB962C8B-B14F-4D97-AF65-F5344CB8AC3E}">
@@ -16183,7 +16183,7 @@
           <a:p>
             <a:fld id="{B590C078-9131-4E49-8A0D-400FEE8377B5}" type="datetimeFigureOut">
               <a:rPr lang="en-US" smtClean="0"/>
-              <a:t>10/26/2021</a:t>
+              <a:t>2/20/2025</a:t>
             </a:fld>
             <a:endParaRPr lang="en-US"/>
           </a:p>
@@ -16359,36 +16359,6 @@
           </a:p>
         </p:txBody>
       </p:sp>
-      <p:pic>
-        <p:nvPicPr>
-          <p:cNvPr id="11" name="Picture 10"/>
-          <p:cNvPicPr>
-            <a:picLocks noChangeAspect="1"/>
-          </p:cNvPicPr>
-          <p:nvPr userDrawn="1"/>
-        </p:nvPicPr>
-        <p:blipFill>
-          <a:blip r:embed="rId2">
-            <a:extLst>
-              <a:ext uri="{28A0092B-C50C-407E-A947-70E740481C1C}">
-                <a14:useLocalDpi xmlns:a14="http://schemas.microsoft.com/office/drawing/2010/main" val="0"/>
-              </a:ext>
-            </a:extLst>
-          </a:blip>
-          <a:stretch>
-            <a:fillRect/>
-          </a:stretch>
-        </p:blipFill>
-        <p:spPr>
-          <a:xfrm>
-            <a:off x="9578792" y="333532"/>
-            <a:ext cx="2003608" cy="247337"/>
-          </a:xfrm>
-          <a:prstGeom prst="rect">
-            <a:avLst/>
-          </a:prstGeom>
-        </p:spPr>
-      </p:pic>
       <p:sp>
         <p:nvSpPr>
           <p:cNvPr id="10" name="TextBox 9"/>
@@ -16568,6 +16538,36 @@
           </a:p>
         </p:txBody>
       </p:sp>
+      <p:pic>
+        <p:nvPicPr>
+          <p:cNvPr id="2" name="Picture 1">
+            <a:extLst>
+              <a:ext uri="{FF2B5EF4-FFF2-40B4-BE49-F238E27FC236}">
+                <a16:creationId xmlns:a16="http://schemas.microsoft.com/office/drawing/2014/main" id="{4FE3C704-18F6-F693-0C45-502A2F7E8091}"/>
+              </a:ext>
+            </a:extLst>
+          </p:cNvPr>
+          <p:cNvPicPr>
+            <a:picLocks noChangeAspect="1"/>
+          </p:cNvPicPr>
+          <p:nvPr userDrawn="1"/>
+        </p:nvPicPr>
+        <p:blipFill>
+          <a:blip r:embed="rId2"/>
+          <a:stretch>
+            <a:fillRect/>
+          </a:stretch>
+        </p:blipFill>
+        <p:spPr>
+          <a:xfrm>
+            <a:off x="10564611" y="266724"/>
+            <a:ext cx="1079365" cy="380952"/>
+          </a:xfrm>
+          <a:prstGeom prst="rect">
+            <a:avLst/>
+          </a:prstGeom>
+        </p:spPr>
+      </p:pic>
     </p:spTree>
     <p:extLst>
       <p:ext uri="{BB962C8B-B14F-4D97-AF65-F5344CB8AC3E}">
@@ -16708,36 +16708,6 @@
           </a:p>
         </p:txBody>
       </p:sp>
-      <p:pic>
-        <p:nvPicPr>
-          <p:cNvPr id="11" name="Picture 10"/>
-          <p:cNvPicPr>
-            <a:picLocks noChangeAspect="1"/>
-          </p:cNvPicPr>
-          <p:nvPr userDrawn="1"/>
-        </p:nvPicPr>
-        <p:blipFill>
-          <a:blip r:embed="rId2">
-            <a:extLst>
-              <a:ext uri="{28A0092B-C50C-407E-A947-70E740481C1C}">
-                <a14:useLocalDpi xmlns:a14="http://schemas.microsoft.com/office/drawing/2010/main" val="0"/>
-              </a:ext>
-            </a:extLst>
-          </a:blip>
-          <a:stretch>
-            <a:fillRect/>
-          </a:stretch>
-        </p:blipFill>
-        <p:spPr>
-          <a:xfrm>
-            <a:off x="9578792" y="333532"/>
-            <a:ext cx="2003608" cy="247337"/>
-          </a:xfrm>
-          <a:prstGeom prst="rect">
-            <a:avLst/>
-          </a:prstGeom>
-        </p:spPr>
-      </p:pic>
       <p:sp>
         <p:nvSpPr>
           <p:cNvPr id="10" name="TextBox 9"/>
@@ -16917,6 +16887,36 @@
           </a:p>
         </p:txBody>
       </p:sp>
+      <p:pic>
+        <p:nvPicPr>
+          <p:cNvPr id="2" name="Picture 1">
+            <a:extLst>
+              <a:ext uri="{FF2B5EF4-FFF2-40B4-BE49-F238E27FC236}">
+                <a16:creationId xmlns:a16="http://schemas.microsoft.com/office/drawing/2014/main" id="{D7082346-1779-2819-1CF8-E5120D33683B}"/>
+              </a:ext>
+            </a:extLst>
+          </p:cNvPr>
+          <p:cNvPicPr>
+            <a:picLocks noChangeAspect="1"/>
+          </p:cNvPicPr>
+          <p:nvPr userDrawn="1"/>
+        </p:nvPicPr>
+        <p:blipFill>
+          <a:blip r:embed="rId2"/>
+          <a:stretch>
+            <a:fillRect/>
+          </a:stretch>
+        </p:blipFill>
+        <p:spPr>
+          <a:xfrm>
+            <a:off x="10564611" y="266724"/>
+            <a:ext cx="1079365" cy="380952"/>
+          </a:xfrm>
+          <a:prstGeom prst="rect">
+            <a:avLst/>
+          </a:prstGeom>
+        </p:spPr>
+      </p:pic>
     </p:spTree>
     <p:extLst>
       <p:ext uri="{BB962C8B-B14F-4D97-AF65-F5344CB8AC3E}">
@@ -17054,36 +17054,6 @@
           </a:p>
         </p:txBody>
       </p:sp>
-      <p:pic>
-        <p:nvPicPr>
-          <p:cNvPr id="11" name="Picture 10"/>
-          <p:cNvPicPr>
-            <a:picLocks noChangeAspect="1"/>
-          </p:cNvPicPr>
-          <p:nvPr userDrawn="1"/>
-        </p:nvPicPr>
-        <p:blipFill>
-          <a:blip r:embed="rId2">
-            <a:extLst>
-              <a:ext uri="{28A0092B-C50C-407E-A947-70E740481C1C}">
-                <a14:useLocalDpi xmlns:a14="http://schemas.microsoft.com/office/drawing/2010/main" val="0"/>
-              </a:ext>
-            </a:extLst>
-          </a:blip>
-          <a:stretch>
-            <a:fillRect/>
-          </a:stretch>
-        </p:blipFill>
-        <p:spPr>
-          <a:xfrm>
-            <a:off x="9578792" y="333532"/>
-            <a:ext cx="2003608" cy="247337"/>
-          </a:xfrm>
-          <a:prstGeom prst="rect">
-            <a:avLst/>
-          </a:prstGeom>
-        </p:spPr>
-      </p:pic>
       <p:sp>
         <p:nvSpPr>
           <p:cNvPr id="10" name="TextBox 9"/>
@@ -17263,6 +17233,36 @@
           </a:p>
         </p:txBody>
       </p:sp>
+      <p:pic>
+        <p:nvPicPr>
+          <p:cNvPr id="2" name="Picture 1">
+            <a:extLst>
+              <a:ext uri="{FF2B5EF4-FFF2-40B4-BE49-F238E27FC236}">
+                <a16:creationId xmlns:a16="http://schemas.microsoft.com/office/drawing/2014/main" id="{4EAF11CB-AE3E-9F63-7CC9-1732FAB040FF}"/>
+              </a:ext>
+            </a:extLst>
+          </p:cNvPr>
+          <p:cNvPicPr>
+            <a:picLocks noChangeAspect="1"/>
+          </p:cNvPicPr>
+          <p:nvPr userDrawn="1"/>
+        </p:nvPicPr>
+        <p:blipFill>
+          <a:blip r:embed="rId2"/>
+          <a:stretch>
+            <a:fillRect/>
+          </a:stretch>
+        </p:blipFill>
+        <p:spPr>
+          <a:xfrm>
+            <a:off x="10564611" y="266724"/>
+            <a:ext cx="1079365" cy="380952"/>
+          </a:xfrm>
+          <a:prstGeom prst="rect">
+            <a:avLst/>
+          </a:prstGeom>
+        </p:spPr>
+      </p:pic>
     </p:spTree>
     <p:extLst>
       <p:ext uri="{BB962C8B-B14F-4D97-AF65-F5344CB8AC3E}">
@@ -17400,36 +17400,6 @@
           </a:p>
         </p:txBody>
       </p:sp>
-      <p:pic>
-        <p:nvPicPr>
-          <p:cNvPr id="37" name="Picture 36"/>
-          <p:cNvPicPr>
-            <a:picLocks noChangeAspect="1"/>
-          </p:cNvPicPr>
-          <p:nvPr userDrawn="1"/>
-        </p:nvPicPr>
-        <p:blipFill>
-          <a:blip r:embed="rId2">
-            <a:extLst>
-              <a:ext uri="{28A0092B-C50C-407E-A947-70E740481C1C}">
-                <a14:useLocalDpi xmlns:a14="http://schemas.microsoft.com/office/drawing/2010/main" val="0"/>
-              </a:ext>
-            </a:extLst>
-          </a:blip>
-          <a:stretch>
-            <a:fillRect/>
-          </a:stretch>
-        </p:blipFill>
-        <p:spPr>
-          <a:xfrm>
-            <a:off x="9578792" y="333532"/>
-            <a:ext cx="2003608" cy="247337"/>
-          </a:xfrm>
-          <a:prstGeom prst="rect">
-            <a:avLst/>
-          </a:prstGeom>
-        </p:spPr>
-      </p:pic>
       <p:sp>
         <p:nvSpPr>
           <p:cNvPr id="11" name="TextBox 10"/>
@@ -17655,6 +17625,36 @@
           </a:p>
         </p:txBody>
       </p:sp>
+      <p:pic>
+        <p:nvPicPr>
+          <p:cNvPr id="2" name="Picture 1">
+            <a:extLst>
+              <a:ext uri="{FF2B5EF4-FFF2-40B4-BE49-F238E27FC236}">
+                <a16:creationId xmlns:a16="http://schemas.microsoft.com/office/drawing/2014/main" id="{19F7AE29-4208-E1CD-B6A6-3C090FB0ABC8}"/>
+              </a:ext>
+            </a:extLst>
+          </p:cNvPr>
+          <p:cNvPicPr>
+            <a:picLocks noChangeAspect="1"/>
+          </p:cNvPicPr>
+          <p:nvPr userDrawn="1"/>
+        </p:nvPicPr>
+        <p:blipFill>
+          <a:blip r:embed="rId2"/>
+          <a:stretch>
+            <a:fillRect/>
+          </a:stretch>
+        </p:blipFill>
+        <p:spPr>
+          <a:xfrm>
+            <a:off x="10564611" y="266724"/>
+            <a:ext cx="1079365" cy="380952"/>
+          </a:xfrm>
+          <a:prstGeom prst="rect">
+            <a:avLst/>
+          </a:prstGeom>
+        </p:spPr>
+      </p:pic>
     </p:spTree>
     <p:extLst>
       <p:ext uri="{BB962C8B-B14F-4D97-AF65-F5344CB8AC3E}">
@@ -17792,36 +17792,6 @@
           </a:p>
         </p:txBody>
       </p:sp>
-      <p:pic>
-        <p:nvPicPr>
-          <p:cNvPr id="37" name="Picture 36"/>
-          <p:cNvPicPr>
-            <a:picLocks noChangeAspect="1"/>
-          </p:cNvPicPr>
-          <p:nvPr userDrawn="1"/>
-        </p:nvPicPr>
-        <p:blipFill>
-          <a:blip r:embed="rId2">
-            <a:extLst>
-              <a:ext uri="{28A0092B-C50C-407E-A947-70E740481C1C}">
-                <a14:useLocalDpi xmlns:a14="http://schemas.microsoft.com/office/drawing/2010/main" val="0"/>
-              </a:ext>
-            </a:extLst>
-          </a:blip>
-          <a:stretch>
-            <a:fillRect/>
-          </a:stretch>
-        </p:blipFill>
-        <p:spPr>
-          <a:xfrm>
-            <a:off x="9578792" y="333532"/>
-            <a:ext cx="2003608" cy="247337"/>
-          </a:xfrm>
-          <a:prstGeom prst="rect">
-            <a:avLst/>
-          </a:prstGeom>
-        </p:spPr>
-      </p:pic>
       <p:sp>
         <p:nvSpPr>
           <p:cNvPr id="11" name="TextBox 10"/>
@@ -18047,6 +18017,36 @@
           </a:p>
         </p:txBody>
       </p:sp>
+      <p:pic>
+        <p:nvPicPr>
+          <p:cNvPr id="2" name="Picture 1">
+            <a:extLst>
+              <a:ext uri="{FF2B5EF4-FFF2-40B4-BE49-F238E27FC236}">
+                <a16:creationId xmlns:a16="http://schemas.microsoft.com/office/drawing/2014/main" id="{C51C03A1-C78E-A3C2-007F-56653C5BD5E8}"/>
+              </a:ext>
+            </a:extLst>
+          </p:cNvPr>
+          <p:cNvPicPr>
+            <a:picLocks noChangeAspect="1"/>
+          </p:cNvPicPr>
+          <p:nvPr userDrawn="1"/>
+        </p:nvPicPr>
+        <p:blipFill>
+          <a:blip r:embed="rId2"/>
+          <a:stretch>
+            <a:fillRect/>
+          </a:stretch>
+        </p:blipFill>
+        <p:spPr>
+          <a:xfrm>
+            <a:off x="10564611" y="266724"/>
+            <a:ext cx="1079365" cy="380952"/>
+          </a:xfrm>
+          <a:prstGeom prst="rect">
+            <a:avLst/>
+          </a:prstGeom>
+        </p:spPr>
+      </p:pic>
     </p:spTree>
     <p:extLst>
       <p:ext uri="{BB962C8B-B14F-4D97-AF65-F5344CB8AC3E}">
@@ -18184,36 +18184,6 @@
           </a:p>
         </p:txBody>
       </p:sp>
-      <p:pic>
-        <p:nvPicPr>
-          <p:cNvPr id="25" name="Picture 24"/>
-          <p:cNvPicPr>
-            <a:picLocks noChangeAspect="1"/>
-          </p:cNvPicPr>
-          <p:nvPr userDrawn="1"/>
-        </p:nvPicPr>
-        <p:blipFill>
-          <a:blip r:embed="rId2">
-            <a:extLst>
-              <a:ext uri="{28A0092B-C50C-407E-A947-70E740481C1C}">
-                <a14:useLocalDpi xmlns:a14="http://schemas.microsoft.com/office/drawing/2010/main" val="0"/>
-              </a:ext>
-            </a:extLst>
-          </a:blip>
-          <a:stretch>
-            <a:fillRect/>
-          </a:stretch>
-        </p:blipFill>
-        <p:spPr>
-          <a:xfrm>
-            <a:off x="9578792" y="333532"/>
-            <a:ext cx="2003608" cy="247337"/>
-          </a:xfrm>
-          <a:prstGeom prst="rect">
-            <a:avLst/>
-          </a:prstGeom>
-        </p:spPr>
-      </p:pic>
       <p:sp>
         <p:nvSpPr>
           <p:cNvPr id="11" name="TextBox 10"/>
@@ -18439,6 +18409,36 @@
           </a:p>
         </p:txBody>
       </p:sp>
+      <p:pic>
+        <p:nvPicPr>
+          <p:cNvPr id="2" name="Picture 1">
+            <a:extLst>
+              <a:ext uri="{FF2B5EF4-FFF2-40B4-BE49-F238E27FC236}">
+                <a16:creationId xmlns:a16="http://schemas.microsoft.com/office/drawing/2014/main" id="{2E43F890-2D12-43BB-CCD8-015EAFB3292F}"/>
+              </a:ext>
+            </a:extLst>
+          </p:cNvPr>
+          <p:cNvPicPr>
+            <a:picLocks noChangeAspect="1"/>
+          </p:cNvPicPr>
+          <p:nvPr userDrawn="1"/>
+        </p:nvPicPr>
+        <p:blipFill>
+          <a:blip r:embed="rId2"/>
+          <a:stretch>
+            <a:fillRect/>
+          </a:stretch>
+        </p:blipFill>
+        <p:spPr>
+          <a:xfrm>
+            <a:off x="10564611" y="266724"/>
+            <a:ext cx="1079365" cy="380952"/>
+          </a:xfrm>
+          <a:prstGeom prst="rect">
+            <a:avLst/>
+          </a:prstGeom>
+        </p:spPr>
+      </p:pic>
     </p:spTree>
     <p:extLst>
       <p:ext uri="{BB962C8B-B14F-4D97-AF65-F5344CB8AC3E}">
@@ -18576,36 +18576,6 @@
           </a:p>
         </p:txBody>
       </p:sp>
-      <p:pic>
-        <p:nvPicPr>
-          <p:cNvPr id="25" name="Picture 24"/>
-          <p:cNvPicPr>
-            <a:picLocks noChangeAspect="1"/>
-          </p:cNvPicPr>
-          <p:nvPr userDrawn="1"/>
-        </p:nvPicPr>
-        <p:blipFill>
-          <a:blip r:embed="rId2">
-            <a:extLst>
-              <a:ext uri="{28A0092B-C50C-407E-A947-70E740481C1C}">
-                <a14:useLocalDpi xmlns:a14="http://schemas.microsoft.com/office/drawing/2010/main" val="0"/>
-              </a:ext>
-            </a:extLst>
-          </a:blip>
-          <a:stretch>
-            <a:fillRect/>
-          </a:stretch>
-        </p:blipFill>
-        <p:spPr>
-          <a:xfrm>
-            <a:off x="9578792" y="333532"/>
-            <a:ext cx="2003608" cy="247337"/>
-          </a:xfrm>
-          <a:prstGeom prst="rect">
-            <a:avLst/>
-          </a:prstGeom>
-        </p:spPr>
-      </p:pic>
       <p:sp>
         <p:nvSpPr>
           <p:cNvPr id="11" name="TextBox 10"/>
@@ -18831,6 +18801,36 @@
           </a:p>
         </p:txBody>
       </p:sp>
+      <p:pic>
+        <p:nvPicPr>
+          <p:cNvPr id="2" name="Picture 1">
+            <a:extLst>
+              <a:ext uri="{FF2B5EF4-FFF2-40B4-BE49-F238E27FC236}">
+                <a16:creationId xmlns:a16="http://schemas.microsoft.com/office/drawing/2014/main" id="{B79F9363-0A98-7A35-B683-6C01CFBDA5A7}"/>
+              </a:ext>
+            </a:extLst>
+          </p:cNvPr>
+          <p:cNvPicPr>
+            <a:picLocks noChangeAspect="1"/>
+          </p:cNvPicPr>
+          <p:nvPr userDrawn="1"/>
+        </p:nvPicPr>
+        <p:blipFill>
+          <a:blip r:embed="rId2"/>
+          <a:stretch>
+            <a:fillRect/>
+          </a:stretch>
+        </p:blipFill>
+        <p:spPr>
+          <a:xfrm>
+            <a:off x="10564611" y="266724"/>
+            <a:ext cx="1079365" cy="380952"/>
+          </a:xfrm>
+          <a:prstGeom prst="rect">
+            <a:avLst/>
+          </a:prstGeom>
+        </p:spPr>
+      </p:pic>
     </p:spTree>
     <p:extLst>
       <p:ext uri="{BB962C8B-B14F-4D97-AF65-F5344CB8AC3E}">
@@ -18968,36 +18968,6 @@
           </a:p>
         </p:txBody>
       </p:sp>
-      <p:pic>
-        <p:nvPicPr>
-          <p:cNvPr id="28" name="Picture 27"/>
-          <p:cNvPicPr>
-            <a:picLocks noChangeAspect="1"/>
-          </p:cNvPicPr>
-          <p:nvPr userDrawn="1"/>
-        </p:nvPicPr>
-        <p:blipFill>
-          <a:blip r:embed="rId2">
-            <a:extLst>
-              <a:ext uri="{28A0092B-C50C-407E-A947-70E740481C1C}">
-                <a14:useLocalDpi xmlns:a14="http://schemas.microsoft.com/office/drawing/2010/main" val="0"/>
-              </a:ext>
-            </a:extLst>
-          </a:blip>
-          <a:stretch>
-            <a:fillRect/>
-          </a:stretch>
-        </p:blipFill>
-        <p:spPr>
-          <a:xfrm>
-            <a:off x="9578792" y="333532"/>
-            <a:ext cx="2003608" cy="247337"/>
-          </a:xfrm>
-          <a:prstGeom prst="rect">
-            <a:avLst/>
-          </a:prstGeom>
-        </p:spPr>
-      </p:pic>
       <p:sp>
         <p:nvSpPr>
           <p:cNvPr id="11" name="TextBox 10"/>
@@ -19223,6 +19193,36 @@
           </a:p>
         </p:txBody>
       </p:sp>
+      <p:pic>
+        <p:nvPicPr>
+          <p:cNvPr id="2" name="Picture 1">
+            <a:extLst>
+              <a:ext uri="{FF2B5EF4-FFF2-40B4-BE49-F238E27FC236}">
+                <a16:creationId xmlns:a16="http://schemas.microsoft.com/office/drawing/2014/main" id="{1C51369C-8749-455D-9A43-7A2D79907B66}"/>
+              </a:ext>
+            </a:extLst>
+          </p:cNvPr>
+          <p:cNvPicPr>
+            <a:picLocks noChangeAspect="1"/>
+          </p:cNvPicPr>
+          <p:nvPr userDrawn="1"/>
+        </p:nvPicPr>
+        <p:blipFill>
+          <a:blip r:embed="rId2"/>
+          <a:stretch>
+            <a:fillRect/>
+          </a:stretch>
+        </p:blipFill>
+        <p:spPr>
+          <a:xfrm>
+            <a:off x="10564611" y="266724"/>
+            <a:ext cx="1079365" cy="380952"/>
+          </a:xfrm>
+          <a:prstGeom prst="rect">
+            <a:avLst/>
+          </a:prstGeom>
+        </p:spPr>
+      </p:pic>
     </p:spTree>
     <p:extLst>
       <p:ext uri="{BB962C8B-B14F-4D97-AF65-F5344CB8AC3E}">
@@ -19360,36 +19360,6 @@
           </a:p>
         </p:txBody>
       </p:sp>
-      <p:pic>
-        <p:nvPicPr>
-          <p:cNvPr id="25" name="Picture 24"/>
-          <p:cNvPicPr>
-            <a:picLocks noChangeAspect="1"/>
-          </p:cNvPicPr>
-          <p:nvPr userDrawn="1"/>
-        </p:nvPicPr>
-        <p:blipFill>
-          <a:blip r:embed="rId2">
-            <a:extLst>
-              <a:ext uri="{28A0092B-C50C-407E-A947-70E740481C1C}">
-                <a14:useLocalDpi xmlns:a14="http://schemas.microsoft.com/office/drawing/2010/main" val="0"/>
-              </a:ext>
-            </a:extLst>
-          </a:blip>
-          <a:stretch>
-            <a:fillRect/>
-          </a:stretch>
-        </p:blipFill>
-        <p:spPr>
-          <a:xfrm>
-            <a:off x="9578792" y="333532"/>
-            <a:ext cx="2003608" cy="247337"/>
-          </a:xfrm>
-          <a:prstGeom prst="rect">
-            <a:avLst/>
-          </a:prstGeom>
-        </p:spPr>
-      </p:pic>
       <p:sp>
         <p:nvSpPr>
           <p:cNvPr id="11" name="TextBox 10"/>
@@ -19609,6 +19579,36 @@
           </a:p>
         </p:txBody>
       </p:sp>
+      <p:pic>
+        <p:nvPicPr>
+          <p:cNvPr id="2" name="Picture 1">
+            <a:extLst>
+              <a:ext uri="{FF2B5EF4-FFF2-40B4-BE49-F238E27FC236}">
+                <a16:creationId xmlns:a16="http://schemas.microsoft.com/office/drawing/2014/main" id="{C76FB203-0135-9723-3559-7CA69548D9D4}"/>
+              </a:ext>
+            </a:extLst>
+          </p:cNvPr>
+          <p:cNvPicPr>
+            <a:picLocks noChangeAspect="1"/>
+          </p:cNvPicPr>
+          <p:nvPr userDrawn="1"/>
+        </p:nvPicPr>
+        <p:blipFill>
+          <a:blip r:embed="rId2"/>
+          <a:stretch>
+            <a:fillRect/>
+          </a:stretch>
+        </p:blipFill>
+        <p:spPr>
+          <a:xfrm>
+            <a:off x="10564611" y="266724"/>
+            <a:ext cx="1079365" cy="380952"/>
+          </a:xfrm>
+          <a:prstGeom prst="rect">
+            <a:avLst/>
+          </a:prstGeom>
+        </p:spPr>
+      </p:pic>
     </p:spTree>
     <p:extLst>
       <p:ext uri="{BB962C8B-B14F-4D97-AF65-F5344CB8AC3E}">
@@ -19746,36 +19746,6 @@
           </a:p>
         </p:txBody>
       </p:sp>
-      <p:pic>
-        <p:nvPicPr>
-          <p:cNvPr id="26" name="Picture 25"/>
-          <p:cNvPicPr>
-            <a:picLocks noChangeAspect="1"/>
-          </p:cNvPicPr>
-          <p:nvPr userDrawn="1"/>
-        </p:nvPicPr>
-        <p:blipFill>
-          <a:blip r:embed="rId2">
-            <a:extLst>
-              <a:ext uri="{28A0092B-C50C-407E-A947-70E740481C1C}">
-                <a14:useLocalDpi xmlns:a14="http://schemas.microsoft.com/office/drawing/2010/main" val="0"/>
-              </a:ext>
-            </a:extLst>
-          </a:blip>
-          <a:stretch>
-            <a:fillRect/>
-          </a:stretch>
-        </p:blipFill>
-        <p:spPr>
-          <a:xfrm>
-            <a:off x="9578792" y="333532"/>
-            <a:ext cx="2003608" cy="247337"/>
-          </a:xfrm>
-          <a:prstGeom prst="rect">
-            <a:avLst/>
-          </a:prstGeom>
-        </p:spPr>
-      </p:pic>
       <p:sp>
         <p:nvSpPr>
           <p:cNvPr id="11" name="TextBox 10"/>
@@ -19995,6 +19965,36 @@
           </a:p>
         </p:txBody>
       </p:sp>
+      <p:pic>
+        <p:nvPicPr>
+          <p:cNvPr id="3" name="Picture 2">
+            <a:extLst>
+              <a:ext uri="{FF2B5EF4-FFF2-40B4-BE49-F238E27FC236}">
+                <a16:creationId xmlns:a16="http://schemas.microsoft.com/office/drawing/2014/main" id="{0B7853B5-379A-2BA3-5A20-DDDB6939EB9B}"/>
+              </a:ext>
+            </a:extLst>
+          </p:cNvPr>
+          <p:cNvPicPr>
+            <a:picLocks noChangeAspect="1"/>
+          </p:cNvPicPr>
+          <p:nvPr userDrawn="1"/>
+        </p:nvPicPr>
+        <p:blipFill>
+          <a:blip r:embed="rId2"/>
+          <a:stretch>
+            <a:fillRect/>
+          </a:stretch>
+        </p:blipFill>
+        <p:spPr>
+          <a:xfrm>
+            <a:off x="10564611" y="266724"/>
+            <a:ext cx="1079365" cy="380952"/>
+          </a:xfrm>
+          <a:prstGeom prst="rect">
+            <a:avLst/>
+          </a:prstGeom>
+        </p:spPr>
+      </p:pic>
     </p:spTree>
     <p:extLst>
       <p:ext uri="{BB962C8B-B14F-4D97-AF65-F5344CB8AC3E}">
@@ -20261,7 +20261,7 @@
           <a:p>
             <a:fld id="{B590C078-9131-4E49-8A0D-400FEE8377B5}" type="datetimeFigureOut">
               <a:rPr lang="en-US" smtClean="0"/>
-              <a:t>10/26/2021</a:t>
+              <a:t>2/20/2025</a:t>
             </a:fld>
             <a:endParaRPr lang="en-US"/>
           </a:p>
@@ -20573,31 +20573,6 @@
           </a:p>
         </p:txBody>
       </p:sp>
-      <p:pic>
-        <p:nvPicPr>
-          <p:cNvPr id="3" name="Picture 2" descr="CAST_grey_100_bl.jpg"/>
-          <p:cNvPicPr>
-            <a:picLocks noChangeAspect="1"/>
-          </p:cNvPicPr>
-          <p:nvPr userDrawn="1"/>
-        </p:nvPicPr>
-        <p:blipFill>
-          <a:blip r:embed="rId2" cstate="print"/>
-          <a:srcRect b="42816"/>
-          <a:stretch>
-            <a:fillRect/>
-          </a:stretch>
-        </p:blipFill>
-        <p:spPr>
-          <a:xfrm>
-            <a:off x="9579864" y="457200"/>
-            <a:ext cx="2002536" cy="222877"/>
-          </a:xfrm>
-          <a:prstGeom prst="rect">
-            <a:avLst/>
-          </a:prstGeom>
-        </p:spPr>
-      </p:pic>
       <p:sp>
         <p:nvSpPr>
           <p:cNvPr id="5" name="Rectangle 4"/>
@@ -22126,6 +22101,36 @@
           </a:p>
         </p:txBody>
       </p:sp>
+      <p:pic>
+        <p:nvPicPr>
+          <p:cNvPr id="11" name="Picture 10">
+            <a:extLst>
+              <a:ext uri="{FF2B5EF4-FFF2-40B4-BE49-F238E27FC236}">
+                <a16:creationId xmlns:a16="http://schemas.microsoft.com/office/drawing/2014/main" id="{CF99AD25-E2A7-0F26-DB95-C83E43EE1898}"/>
+              </a:ext>
+            </a:extLst>
+          </p:cNvPr>
+          <p:cNvPicPr>
+            <a:picLocks noChangeAspect="1"/>
+          </p:cNvPicPr>
+          <p:nvPr userDrawn="1"/>
+        </p:nvPicPr>
+        <p:blipFill>
+          <a:blip r:embed="rId2"/>
+          <a:stretch>
+            <a:fillRect/>
+          </a:stretch>
+        </p:blipFill>
+        <p:spPr>
+          <a:xfrm>
+            <a:off x="10503035" y="266724"/>
+            <a:ext cx="1079365" cy="380952"/>
+          </a:xfrm>
+          <a:prstGeom prst="rect">
+            <a:avLst/>
+          </a:prstGeom>
+        </p:spPr>
+      </p:pic>
     </p:spTree>
     <p:extLst>
       <p:ext uri="{BB962C8B-B14F-4D97-AF65-F5344CB8AC3E}">
@@ -22381,36 +22386,6 @@
           </a:p>
         </p:txBody>
       </p:sp>
-      <p:pic>
-        <p:nvPicPr>
-          <p:cNvPr id="8" name="Picture 7"/>
-          <p:cNvPicPr>
-            <a:picLocks noChangeAspect="1"/>
-          </p:cNvPicPr>
-          <p:nvPr userDrawn="1"/>
-        </p:nvPicPr>
-        <p:blipFill>
-          <a:blip r:embed="rId3">
-            <a:extLst>
-              <a:ext uri="{28A0092B-C50C-407E-A947-70E740481C1C}">
-                <a14:useLocalDpi xmlns:a14="http://schemas.microsoft.com/office/drawing/2010/main" val="0"/>
-              </a:ext>
-            </a:extLst>
-          </a:blip>
-          <a:stretch>
-            <a:fillRect/>
-          </a:stretch>
-        </p:blipFill>
-        <p:spPr>
-          <a:xfrm>
-            <a:off x="9578792" y="333532"/>
-            <a:ext cx="2003608" cy="247337"/>
-          </a:xfrm>
-          <a:prstGeom prst="rect">
-            <a:avLst/>
-          </a:prstGeom>
-        </p:spPr>
-      </p:pic>
       <p:sp>
         <p:nvSpPr>
           <p:cNvPr id="18" name="Text Placeholder 17"/>
@@ -22552,6 +22527,36 @@
           </a:p>
         </p:txBody>
       </p:sp>
+      <p:pic>
+        <p:nvPicPr>
+          <p:cNvPr id="2" name="Picture 1">
+            <a:extLst>
+              <a:ext uri="{FF2B5EF4-FFF2-40B4-BE49-F238E27FC236}">
+                <a16:creationId xmlns:a16="http://schemas.microsoft.com/office/drawing/2014/main" id="{A98CC3A4-6807-6B87-1247-6252F415B1D7}"/>
+              </a:ext>
+            </a:extLst>
+          </p:cNvPr>
+          <p:cNvPicPr>
+            <a:picLocks noChangeAspect="1"/>
+          </p:cNvPicPr>
+          <p:nvPr userDrawn="1"/>
+        </p:nvPicPr>
+        <p:blipFill>
+          <a:blip r:embed="rId3"/>
+          <a:stretch>
+            <a:fillRect/>
+          </a:stretch>
+        </p:blipFill>
+        <p:spPr>
+          <a:xfrm>
+            <a:off x="10564611" y="266724"/>
+            <a:ext cx="1079365" cy="380952"/>
+          </a:xfrm>
+          <a:prstGeom prst="rect">
+            <a:avLst/>
+          </a:prstGeom>
+        </p:spPr>
+      </p:pic>
     </p:spTree>
     <p:extLst>
       <p:ext uri="{BB962C8B-B14F-4D97-AF65-F5344CB8AC3E}">
@@ -22804,36 +22809,6 @@
           </a:p>
         </p:txBody>
       </p:sp>
-      <p:pic>
-        <p:nvPicPr>
-          <p:cNvPr id="8" name="Picture 7"/>
-          <p:cNvPicPr>
-            <a:picLocks noChangeAspect="1"/>
-          </p:cNvPicPr>
-          <p:nvPr userDrawn="1"/>
-        </p:nvPicPr>
-        <p:blipFill>
-          <a:blip r:embed="rId3">
-            <a:extLst>
-              <a:ext uri="{28A0092B-C50C-407E-A947-70E740481C1C}">
-                <a14:useLocalDpi xmlns:a14="http://schemas.microsoft.com/office/drawing/2010/main" val="0"/>
-              </a:ext>
-            </a:extLst>
-          </a:blip>
-          <a:stretch>
-            <a:fillRect/>
-          </a:stretch>
-        </p:blipFill>
-        <p:spPr>
-          <a:xfrm>
-            <a:off x="9578792" y="333532"/>
-            <a:ext cx="2003608" cy="247337"/>
-          </a:xfrm>
-          <a:prstGeom prst="rect">
-            <a:avLst/>
-          </a:prstGeom>
-        </p:spPr>
-      </p:pic>
       <p:sp>
         <p:nvSpPr>
           <p:cNvPr id="12" name="Text Placeholder 17"/>
@@ -22975,6 +22950,36 @@
           </a:p>
         </p:txBody>
       </p:sp>
+      <p:pic>
+        <p:nvPicPr>
+          <p:cNvPr id="2" name="Picture 1">
+            <a:extLst>
+              <a:ext uri="{FF2B5EF4-FFF2-40B4-BE49-F238E27FC236}">
+                <a16:creationId xmlns:a16="http://schemas.microsoft.com/office/drawing/2014/main" id="{35771210-8C38-DFC6-0778-E66248505836}"/>
+              </a:ext>
+            </a:extLst>
+          </p:cNvPr>
+          <p:cNvPicPr>
+            <a:picLocks noChangeAspect="1"/>
+          </p:cNvPicPr>
+          <p:nvPr userDrawn="1"/>
+        </p:nvPicPr>
+        <p:blipFill>
+          <a:blip r:embed="rId3"/>
+          <a:stretch>
+            <a:fillRect/>
+          </a:stretch>
+        </p:blipFill>
+        <p:spPr>
+          <a:xfrm>
+            <a:off x="10564611" y="266724"/>
+            <a:ext cx="1079365" cy="380952"/>
+          </a:xfrm>
+          <a:prstGeom prst="rect">
+            <a:avLst/>
+          </a:prstGeom>
+        </p:spPr>
+      </p:pic>
     </p:spTree>
     <p:extLst>
       <p:ext uri="{BB962C8B-B14F-4D97-AF65-F5344CB8AC3E}">
@@ -23225,36 +23230,6 @@
           </a:p>
         </p:txBody>
       </p:sp>
-      <p:pic>
-        <p:nvPicPr>
-          <p:cNvPr id="8" name="Picture 7"/>
-          <p:cNvPicPr>
-            <a:picLocks noChangeAspect="1"/>
-          </p:cNvPicPr>
-          <p:nvPr userDrawn="1"/>
-        </p:nvPicPr>
-        <p:blipFill>
-          <a:blip r:embed="rId3">
-            <a:extLst>
-              <a:ext uri="{28A0092B-C50C-407E-A947-70E740481C1C}">
-                <a14:useLocalDpi xmlns:a14="http://schemas.microsoft.com/office/drawing/2010/main" val="0"/>
-              </a:ext>
-            </a:extLst>
-          </a:blip>
-          <a:stretch>
-            <a:fillRect/>
-          </a:stretch>
-        </p:blipFill>
-        <p:spPr>
-          <a:xfrm>
-            <a:off x="9578792" y="333532"/>
-            <a:ext cx="2003608" cy="247337"/>
-          </a:xfrm>
-          <a:prstGeom prst="rect">
-            <a:avLst/>
-          </a:prstGeom>
-        </p:spPr>
-      </p:pic>
       <p:sp>
         <p:nvSpPr>
           <p:cNvPr id="11" name="Text Placeholder 17"/>
@@ -23396,6 +23371,36 @@
           </a:p>
         </p:txBody>
       </p:sp>
+      <p:pic>
+        <p:nvPicPr>
+          <p:cNvPr id="2" name="Picture 1">
+            <a:extLst>
+              <a:ext uri="{FF2B5EF4-FFF2-40B4-BE49-F238E27FC236}">
+                <a16:creationId xmlns:a16="http://schemas.microsoft.com/office/drawing/2014/main" id="{FC55A361-1DC9-7707-C6E6-DF9A96BCE8B8}"/>
+              </a:ext>
+            </a:extLst>
+          </p:cNvPr>
+          <p:cNvPicPr>
+            <a:picLocks noChangeAspect="1"/>
+          </p:cNvPicPr>
+          <p:nvPr userDrawn="1"/>
+        </p:nvPicPr>
+        <p:blipFill>
+          <a:blip r:embed="rId3"/>
+          <a:stretch>
+            <a:fillRect/>
+          </a:stretch>
+        </p:blipFill>
+        <p:spPr>
+          <a:xfrm>
+            <a:off x="10564611" y="266724"/>
+            <a:ext cx="1079365" cy="380952"/>
+          </a:xfrm>
+          <a:prstGeom prst="rect">
+            <a:avLst/>
+          </a:prstGeom>
+        </p:spPr>
+      </p:pic>
     </p:spTree>
     <p:extLst>
       <p:ext uri="{BB962C8B-B14F-4D97-AF65-F5344CB8AC3E}">
@@ -23492,31 +23497,6 @@
           <a:chExt cx="0" cy="0"/>
         </a:xfrm>
       </p:grpSpPr>
-      <p:pic>
-        <p:nvPicPr>
-          <p:cNvPr id="3" name="Picture 2" descr="CAST_grey_100_bl.jpg"/>
-          <p:cNvPicPr>
-            <a:picLocks noChangeAspect="1"/>
-          </p:cNvPicPr>
-          <p:nvPr userDrawn="1"/>
-        </p:nvPicPr>
-        <p:blipFill>
-          <a:blip r:embed="rId2" cstate="print"/>
-          <a:srcRect b="42816"/>
-          <a:stretch>
-            <a:fillRect/>
-          </a:stretch>
-        </p:blipFill>
-        <p:spPr>
-          <a:xfrm>
-            <a:off x="9381148" y="333532"/>
-            <a:ext cx="2222308" cy="247337"/>
-          </a:xfrm>
-          <a:prstGeom prst="rect">
-            <a:avLst/>
-          </a:prstGeom>
-        </p:spPr>
-      </p:pic>
       <p:sp>
         <p:nvSpPr>
           <p:cNvPr id="4" name="Slide Number Placeholder 3"/>
@@ -23577,6 +23557,36 @@
           </a:p>
         </p:txBody>
       </p:sp>
+      <p:pic>
+        <p:nvPicPr>
+          <p:cNvPr id="6" name="Picture 5">
+            <a:extLst>
+              <a:ext uri="{FF2B5EF4-FFF2-40B4-BE49-F238E27FC236}">
+                <a16:creationId xmlns:a16="http://schemas.microsoft.com/office/drawing/2014/main" id="{413BD299-57D4-7314-2B59-97F1B3E14933}"/>
+              </a:ext>
+            </a:extLst>
+          </p:cNvPr>
+          <p:cNvPicPr>
+            <a:picLocks noChangeAspect="1"/>
+          </p:cNvPicPr>
+          <p:nvPr userDrawn="1"/>
+        </p:nvPicPr>
+        <p:blipFill>
+          <a:blip r:embed="rId2"/>
+          <a:stretch>
+            <a:fillRect/>
+          </a:stretch>
+        </p:blipFill>
+        <p:spPr>
+          <a:xfrm>
+            <a:off x="10503035" y="266724"/>
+            <a:ext cx="1079365" cy="380952"/>
+          </a:xfrm>
+          <a:prstGeom prst="rect">
+            <a:avLst/>
+          </a:prstGeom>
+        </p:spPr>
+      </p:pic>
     </p:spTree>
     <p:extLst>
       <p:ext uri="{BB962C8B-B14F-4D97-AF65-F5344CB8AC3E}">
@@ -23830,36 +23840,6 @@
           </a:p>
         </p:txBody>
       </p:sp>
-      <p:pic>
-        <p:nvPicPr>
-          <p:cNvPr id="11" name="Picture 10"/>
-          <p:cNvPicPr>
-            <a:picLocks noChangeAspect="1"/>
-          </p:cNvPicPr>
-          <p:nvPr userDrawn="1"/>
-        </p:nvPicPr>
-        <p:blipFill>
-          <a:blip r:embed="rId2">
-            <a:extLst>
-              <a:ext uri="{28A0092B-C50C-407E-A947-70E740481C1C}">
-                <a14:useLocalDpi xmlns:a14="http://schemas.microsoft.com/office/drawing/2010/main" val="0"/>
-              </a:ext>
-            </a:extLst>
-          </a:blip>
-          <a:stretch>
-            <a:fillRect/>
-          </a:stretch>
-        </p:blipFill>
-        <p:spPr>
-          <a:xfrm>
-            <a:off x="9578792" y="333532"/>
-            <a:ext cx="2003608" cy="247337"/>
-          </a:xfrm>
-          <a:prstGeom prst="rect">
-            <a:avLst/>
-          </a:prstGeom>
-        </p:spPr>
-      </p:pic>
       <p:sp>
         <p:nvSpPr>
           <p:cNvPr id="9" name="Text Placeholder 7"/>
@@ -23922,6 +23902,36 @@
           </a:p>
         </p:txBody>
       </p:sp>
+      <p:pic>
+        <p:nvPicPr>
+          <p:cNvPr id="2" name="Picture 1">
+            <a:extLst>
+              <a:ext uri="{FF2B5EF4-FFF2-40B4-BE49-F238E27FC236}">
+                <a16:creationId xmlns:a16="http://schemas.microsoft.com/office/drawing/2014/main" id="{013BD037-4A66-E344-8516-E8646E19CD3B}"/>
+              </a:ext>
+            </a:extLst>
+          </p:cNvPr>
+          <p:cNvPicPr>
+            <a:picLocks noChangeAspect="1"/>
+          </p:cNvPicPr>
+          <p:nvPr userDrawn="1"/>
+        </p:nvPicPr>
+        <p:blipFill>
+          <a:blip r:embed="rId2"/>
+          <a:stretch>
+            <a:fillRect/>
+          </a:stretch>
+        </p:blipFill>
+        <p:spPr>
+          <a:xfrm>
+            <a:off x="10564611" y="266724"/>
+            <a:ext cx="1079365" cy="380952"/>
+          </a:xfrm>
+          <a:prstGeom prst="rect">
+            <a:avLst/>
+          </a:prstGeom>
+        </p:spPr>
+      </p:pic>
     </p:spTree>
     <p:extLst>
       <p:ext uri="{BB962C8B-B14F-4D97-AF65-F5344CB8AC3E}">
@@ -24086,7 +24096,7 @@
           <a:p>
             <a:fld id="{B590C078-9131-4E49-8A0D-400FEE8377B5}" type="datetimeFigureOut">
               <a:rPr lang="en-US" smtClean="0"/>
-              <a:t>10/26/2021</a:t>
+              <a:t>2/20/2025</a:t>
             </a:fld>
             <a:endParaRPr lang="en-US"/>
           </a:p>
